--- a/Presentation1.pptx
+++ b/Presentation1.pptx
@@ -7,6 +7,9 @@
   <p:sldIdLst>
     <p:sldId id="256" r:id="rId2"/>
     <p:sldId id="257" r:id="rId3"/>
+    <p:sldId id="259" r:id="rId4"/>
+    <p:sldId id="260" r:id="rId5"/>
+    <p:sldId id="262" r:id="rId6"/>
   </p:sldIdLst>
   <p:sldSz cx="12192000" cy="6858000"/>
   <p:notesSz cx="6858000" cy="9144000"/>
@@ -3929,7 +3932,7 @@
         </p:nvSpPr>
         <p:spPr>
           <a:xfrm>
-            <a:off x="8898958" y="5029129"/>
+            <a:off x="8830283" y="4982962"/>
             <a:ext cx="1117614" cy="461665"/>
           </a:xfrm>
           <a:prstGeom prst="rect">
@@ -3951,6 +3954,45 @@
           </a:p>
         </p:txBody>
       </p:sp>
+      <p:pic>
+        <p:nvPicPr>
+          <p:cNvPr id="9" name="Picture 8">
+            <a:extLst>
+              <a:ext uri="{FF2B5EF4-FFF2-40B4-BE49-F238E27FC236}">
+                <a16:creationId xmlns:a16="http://schemas.microsoft.com/office/drawing/2014/main" id="{42B595CB-322B-CB2B-C1A4-D6B341B7C806}"/>
+              </a:ext>
+            </a:extLst>
+          </p:cNvPr>
+          <p:cNvPicPr>
+            <a:picLocks noChangeAspect="1"/>
+          </p:cNvPicPr>
+          <p:nvPr/>
+        </p:nvPicPr>
+        <p:blipFill>
+          <a:blip r:embed="rId2">
+            <a:extLst>
+              <a:ext uri="{28A0092B-C50C-407E-A947-70E740481C1C}">
+                <a14:useLocalDpi xmlns:a14="http://schemas.microsoft.com/office/drawing/2010/main" val="0"/>
+              </a:ext>
+              <a:ext uri="{837473B0-CC2E-450A-ABE3-18F120FF3D39}">
+                <a1611:picAttrSrcUrl xmlns:a1611="http://schemas.microsoft.com/office/drawing/2016/11/main" r:id="rId3"/>
+              </a:ext>
+            </a:extLst>
+          </a:blip>
+          <a:stretch>
+            <a:fillRect/>
+          </a:stretch>
+        </p:blipFill>
+        <p:spPr>
+          <a:xfrm>
+            <a:off x="1071845" y="1098287"/>
+            <a:ext cx="5122768" cy="2899149"/>
+          </a:xfrm>
+          <a:prstGeom prst="rect">
+            <a:avLst/>
+          </a:prstGeom>
+        </p:spPr>
+      </p:pic>
     </p:spTree>
     <p:extLst>
       <p:ext uri="{BB962C8B-B14F-4D97-AF65-F5344CB8AC3E}">
@@ -3961,6 +4003,296 @@
   <p:clrMapOvr>
     <a:masterClrMapping/>
   </p:clrMapOvr>
+  <mc:AlternateContent xmlns:mc="http://schemas.openxmlformats.org/markup-compatibility/2006">
+    <mc:Choice xmlns:p14="http://schemas.microsoft.com/office/powerpoint/2010/main" Requires="p14">
+      <p:transition spd="med" p14:dur="700">
+        <p:fade/>
+      </p:transition>
+    </mc:Choice>
+    <mc:Fallback>
+      <p:transition spd="med">
+        <p:fade/>
+      </p:transition>
+    </mc:Fallback>
+  </mc:AlternateContent>
+  <p:timing>
+    <p:tnLst>
+      <p:par>
+        <p:cTn id="1" dur="indefinite" restart="never" nodeType="tmRoot">
+          <p:childTnLst>
+            <p:seq concurrent="1" nextAc="seek">
+              <p:cTn id="2" dur="indefinite" nodeType="mainSeq">
+                <p:childTnLst>
+                  <p:par>
+                    <p:cTn id="3" fill="hold">
+                      <p:stCondLst>
+                        <p:cond delay="indefinite"/>
+                      </p:stCondLst>
+                      <p:childTnLst>
+                        <p:par>
+                          <p:cTn id="4" fill="hold">
+                            <p:stCondLst>
+                              <p:cond delay="0"/>
+                            </p:stCondLst>
+                            <p:childTnLst>
+                              <p:par>
+                                <p:cTn id="5" presetID="31" presetClass="entr" presetSubtype="0" fill="hold" grpId="0" nodeType="clickEffect">
+                                  <p:stCondLst>
+                                    <p:cond delay="0"/>
+                                  </p:stCondLst>
+                                  <p:childTnLst>
+                                    <p:set>
+                                      <p:cBhvr>
+                                        <p:cTn id="6" dur="1" fill="hold">
+                                          <p:stCondLst>
+                                            <p:cond delay="0"/>
+                                          </p:stCondLst>
+                                        </p:cTn>
+                                        <p:tgtEl>
+                                          <p:spTgt spid="6"/>
+                                        </p:tgtEl>
+                                        <p:attrNameLst>
+                                          <p:attrName>style.visibility</p:attrName>
+                                        </p:attrNameLst>
+                                      </p:cBhvr>
+                                      <p:to>
+                                        <p:strVal val="visible"/>
+                                      </p:to>
+                                    </p:set>
+                                    <p:anim calcmode="lin" valueType="num">
+                                      <p:cBhvr>
+                                        <p:cTn id="7" dur="1000" fill="hold"/>
+                                        <p:tgtEl>
+                                          <p:spTgt spid="6"/>
+                                        </p:tgtEl>
+                                        <p:attrNameLst>
+                                          <p:attrName>ppt_w</p:attrName>
+                                        </p:attrNameLst>
+                                      </p:cBhvr>
+                                      <p:tavLst>
+                                        <p:tav tm="0">
+                                          <p:val>
+                                            <p:fltVal val="0"/>
+                                          </p:val>
+                                        </p:tav>
+                                        <p:tav tm="100000">
+                                          <p:val>
+                                            <p:strVal val="#ppt_w"/>
+                                          </p:val>
+                                        </p:tav>
+                                      </p:tavLst>
+                                    </p:anim>
+                                    <p:anim calcmode="lin" valueType="num">
+                                      <p:cBhvr>
+                                        <p:cTn id="8" dur="1000" fill="hold"/>
+                                        <p:tgtEl>
+                                          <p:spTgt spid="6"/>
+                                        </p:tgtEl>
+                                        <p:attrNameLst>
+                                          <p:attrName>ppt_h</p:attrName>
+                                        </p:attrNameLst>
+                                      </p:cBhvr>
+                                      <p:tavLst>
+                                        <p:tav tm="0">
+                                          <p:val>
+                                            <p:fltVal val="0"/>
+                                          </p:val>
+                                        </p:tav>
+                                        <p:tav tm="100000">
+                                          <p:val>
+                                            <p:strVal val="#ppt_h"/>
+                                          </p:val>
+                                        </p:tav>
+                                      </p:tavLst>
+                                    </p:anim>
+                                    <p:anim calcmode="lin" valueType="num">
+                                      <p:cBhvr>
+                                        <p:cTn id="9" dur="1000" fill="hold"/>
+                                        <p:tgtEl>
+                                          <p:spTgt spid="6"/>
+                                        </p:tgtEl>
+                                        <p:attrNameLst>
+                                          <p:attrName>style.rotation</p:attrName>
+                                        </p:attrNameLst>
+                                      </p:cBhvr>
+                                      <p:tavLst>
+                                        <p:tav tm="0">
+                                          <p:val>
+                                            <p:fltVal val="90"/>
+                                          </p:val>
+                                        </p:tav>
+                                        <p:tav tm="100000">
+                                          <p:val>
+                                            <p:fltVal val="0"/>
+                                          </p:val>
+                                        </p:tav>
+                                      </p:tavLst>
+                                    </p:anim>
+                                    <p:animEffect transition="in" filter="fade">
+                                      <p:cBhvr>
+                                        <p:cTn id="10" dur="1000"/>
+                                        <p:tgtEl>
+                                          <p:spTgt spid="6"/>
+                                        </p:tgtEl>
+                                      </p:cBhvr>
+                                    </p:animEffect>
+                                  </p:childTnLst>
+                                </p:cTn>
+                              </p:par>
+                            </p:childTnLst>
+                          </p:cTn>
+                        </p:par>
+                      </p:childTnLst>
+                    </p:cTn>
+                  </p:par>
+                  <p:par>
+                    <p:cTn id="11" fill="hold">
+                      <p:stCondLst>
+                        <p:cond delay="indefinite"/>
+                      </p:stCondLst>
+                      <p:childTnLst>
+                        <p:par>
+                          <p:cTn id="12" fill="hold">
+                            <p:stCondLst>
+                              <p:cond delay="0"/>
+                            </p:stCondLst>
+                            <p:childTnLst>
+                              <p:par>
+                                <p:cTn id="13" presetID="31" presetClass="entr" presetSubtype="0" fill="hold" grpId="0" nodeType="clickEffect">
+                                  <p:stCondLst>
+                                    <p:cond delay="0"/>
+                                  </p:stCondLst>
+                                  <p:childTnLst>
+                                    <p:set>
+                                      <p:cBhvr>
+                                        <p:cTn id="14" dur="1" fill="hold">
+                                          <p:stCondLst>
+                                            <p:cond delay="0"/>
+                                          </p:stCondLst>
+                                        </p:cTn>
+                                        <p:tgtEl>
+                                          <p:spTgt spid="7"/>
+                                        </p:tgtEl>
+                                        <p:attrNameLst>
+                                          <p:attrName>style.visibility</p:attrName>
+                                        </p:attrNameLst>
+                                      </p:cBhvr>
+                                      <p:to>
+                                        <p:strVal val="visible"/>
+                                      </p:to>
+                                    </p:set>
+                                    <p:anim calcmode="lin" valueType="num">
+                                      <p:cBhvr>
+                                        <p:cTn id="15" dur="1000" fill="hold"/>
+                                        <p:tgtEl>
+                                          <p:spTgt spid="7"/>
+                                        </p:tgtEl>
+                                        <p:attrNameLst>
+                                          <p:attrName>ppt_w</p:attrName>
+                                        </p:attrNameLst>
+                                      </p:cBhvr>
+                                      <p:tavLst>
+                                        <p:tav tm="0">
+                                          <p:val>
+                                            <p:fltVal val="0"/>
+                                          </p:val>
+                                        </p:tav>
+                                        <p:tav tm="100000">
+                                          <p:val>
+                                            <p:strVal val="#ppt_w"/>
+                                          </p:val>
+                                        </p:tav>
+                                      </p:tavLst>
+                                    </p:anim>
+                                    <p:anim calcmode="lin" valueType="num">
+                                      <p:cBhvr>
+                                        <p:cTn id="16" dur="1000" fill="hold"/>
+                                        <p:tgtEl>
+                                          <p:spTgt spid="7"/>
+                                        </p:tgtEl>
+                                        <p:attrNameLst>
+                                          <p:attrName>ppt_h</p:attrName>
+                                        </p:attrNameLst>
+                                      </p:cBhvr>
+                                      <p:tavLst>
+                                        <p:tav tm="0">
+                                          <p:val>
+                                            <p:fltVal val="0"/>
+                                          </p:val>
+                                        </p:tav>
+                                        <p:tav tm="100000">
+                                          <p:val>
+                                            <p:strVal val="#ppt_h"/>
+                                          </p:val>
+                                        </p:tav>
+                                      </p:tavLst>
+                                    </p:anim>
+                                    <p:anim calcmode="lin" valueType="num">
+                                      <p:cBhvr>
+                                        <p:cTn id="17" dur="1000" fill="hold"/>
+                                        <p:tgtEl>
+                                          <p:spTgt spid="7"/>
+                                        </p:tgtEl>
+                                        <p:attrNameLst>
+                                          <p:attrName>style.rotation</p:attrName>
+                                        </p:attrNameLst>
+                                      </p:cBhvr>
+                                      <p:tavLst>
+                                        <p:tav tm="0">
+                                          <p:val>
+                                            <p:fltVal val="90"/>
+                                          </p:val>
+                                        </p:tav>
+                                        <p:tav tm="100000">
+                                          <p:val>
+                                            <p:fltVal val="0"/>
+                                          </p:val>
+                                        </p:tav>
+                                      </p:tavLst>
+                                    </p:anim>
+                                    <p:animEffect transition="in" filter="fade">
+                                      <p:cBhvr>
+                                        <p:cTn id="18" dur="1000"/>
+                                        <p:tgtEl>
+                                          <p:spTgt spid="7"/>
+                                        </p:tgtEl>
+                                      </p:cBhvr>
+                                    </p:animEffect>
+                                  </p:childTnLst>
+                                </p:cTn>
+                              </p:par>
+                            </p:childTnLst>
+                          </p:cTn>
+                        </p:par>
+                      </p:childTnLst>
+                    </p:cTn>
+                  </p:par>
+                </p:childTnLst>
+              </p:cTn>
+              <p:prevCondLst>
+                <p:cond evt="onPrev" delay="0">
+                  <p:tgtEl>
+                    <p:sldTgt/>
+                  </p:tgtEl>
+                </p:cond>
+              </p:prevCondLst>
+              <p:nextCondLst>
+                <p:cond evt="onNext" delay="0">
+                  <p:tgtEl>
+                    <p:sldTgt/>
+                  </p:tgtEl>
+                </p:cond>
+              </p:nextCondLst>
+            </p:seq>
+          </p:childTnLst>
+        </p:cTn>
+      </p:par>
+    </p:tnLst>
+    <p:bldLst>
+      <p:bldP spid="6" grpId="0"/>
+      <p:bldP spid="7" grpId="0"/>
+    </p:bldLst>
+  </p:timing>
 </p:sld>
 </file>
 
@@ -4131,11 +4463,7 @@
             </a:pPr>
             <a:r>
               <a:rPr lang="he-IL" dirty="0"/>
-              <a:t>ובסוף ההדפסה היא נשארת </a:t>
-            </a:r>
-            <a:r>
-              <a:rPr lang="he-IL"/>
-              <a:t>באותה שורה.</a:t>
+              <a:t>ובסוף ההדפסה היא נשארת באותה שורה.</a:t>
             </a:r>
             <a:endParaRPr lang="en-US" dirty="0"/>
           </a:p>
@@ -4160,6 +4488,3084 @@
   <p:clrMapOvr>
     <a:masterClrMapping/>
   </p:clrMapOvr>
+  <mc:AlternateContent xmlns:mc="http://schemas.openxmlformats.org/markup-compatibility/2006">
+    <mc:Choice xmlns:p14="http://schemas.microsoft.com/office/powerpoint/2010/main" Requires="p14">
+      <p:transition spd="med" p14:dur="700">
+        <p:fade/>
+      </p:transition>
+    </mc:Choice>
+    <mc:Fallback>
+      <p:transition spd="med">
+        <p:fade/>
+      </p:transition>
+    </mc:Fallback>
+  </mc:AlternateContent>
+  <p:timing>
+    <p:tnLst>
+      <p:par>
+        <p:cTn id="1" dur="indefinite" restart="never" nodeType="tmRoot">
+          <p:childTnLst>
+            <p:seq concurrent="1" nextAc="seek">
+              <p:cTn id="2" dur="indefinite" nodeType="mainSeq">
+                <p:childTnLst>
+                  <p:par>
+                    <p:cTn id="3" fill="hold">
+                      <p:stCondLst>
+                        <p:cond delay="indefinite"/>
+                      </p:stCondLst>
+                      <p:childTnLst>
+                        <p:par>
+                          <p:cTn id="4" fill="hold">
+                            <p:stCondLst>
+                              <p:cond delay="0"/>
+                            </p:stCondLst>
+                            <p:childTnLst>
+                              <p:par>
+                                <p:cTn id="5" presetID="42" presetClass="entr" presetSubtype="0" fill="hold" nodeType="clickEffect">
+                                  <p:stCondLst>
+                                    <p:cond delay="0"/>
+                                  </p:stCondLst>
+                                  <p:childTnLst>
+                                    <p:set>
+                                      <p:cBhvr>
+                                        <p:cTn id="6" dur="1" fill="hold">
+                                          <p:stCondLst>
+                                            <p:cond delay="0"/>
+                                          </p:stCondLst>
+                                        </p:cTn>
+                                        <p:tgtEl>
+                                          <p:spTgt spid="3">
+                                            <p:txEl>
+                                              <p:pRg st="0" end="0"/>
+                                            </p:txEl>
+                                          </p:spTgt>
+                                        </p:tgtEl>
+                                        <p:attrNameLst>
+                                          <p:attrName>style.visibility</p:attrName>
+                                        </p:attrNameLst>
+                                      </p:cBhvr>
+                                      <p:to>
+                                        <p:strVal val="visible"/>
+                                      </p:to>
+                                    </p:set>
+                                    <p:animEffect transition="in" filter="fade">
+                                      <p:cBhvr>
+                                        <p:cTn id="7" dur="1000"/>
+                                        <p:tgtEl>
+                                          <p:spTgt spid="3">
+                                            <p:txEl>
+                                              <p:pRg st="0" end="0"/>
+                                            </p:txEl>
+                                          </p:spTgt>
+                                        </p:tgtEl>
+                                      </p:cBhvr>
+                                    </p:animEffect>
+                                    <p:anim calcmode="lin" valueType="num">
+                                      <p:cBhvr>
+                                        <p:cTn id="8" dur="1000" fill="hold"/>
+                                        <p:tgtEl>
+                                          <p:spTgt spid="3">
+                                            <p:txEl>
+                                              <p:pRg st="0" end="0"/>
+                                            </p:txEl>
+                                          </p:spTgt>
+                                        </p:tgtEl>
+                                        <p:attrNameLst>
+                                          <p:attrName>ppt_x</p:attrName>
+                                        </p:attrNameLst>
+                                      </p:cBhvr>
+                                      <p:tavLst>
+                                        <p:tav tm="0">
+                                          <p:val>
+                                            <p:strVal val="#ppt_x"/>
+                                          </p:val>
+                                        </p:tav>
+                                        <p:tav tm="100000">
+                                          <p:val>
+                                            <p:strVal val="#ppt_x"/>
+                                          </p:val>
+                                        </p:tav>
+                                      </p:tavLst>
+                                    </p:anim>
+                                    <p:anim calcmode="lin" valueType="num">
+                                      <p:cBhvr>
+                                        <p:cTn id="9" dur="1000" fill="hold"/>
+                                        <p:tgtEl>
+                                          <p:spTgt spid="3">
+                                            <p:txEl>
+                                              <p:pRg st="0" end="0"/>
+                                            </p:txEl>
+                                          </p:spTgt>
+                                        </p:tgtEl>
+                                        <p:attrNameLst>
+                                          <p:attrName>ppt_y</p:attrName>
+                                        </p:attrNameLst>
+                                      </p:cBhvr>
+                                      <p:tavLst>
+                                        <p:tav tm="0">
+                                          <p:val>
+                                            <p:strVal val="#ppt_y+.1"/>
+                                          </p:val>
+                                        </p:tav>
+                                        <p:tav tm="100000">
+                                          <p:val>
+                                            <p:strVal val="#ppt_y"/>
+                                          </p:val>
+                                        </p:tav>
+                                      </p:tavLst>
+                                    </p:anim>
+                                  </p:childTnLst>
+                                </p:cTn>
+                              </p:par>
+                              <p:par>
+                                <p:cTn id="10" presetID="42" presetClass="entr" presetSubtype="0" fill="hold" nodeType="withEffect">
+                                  <p:stCondLst>
+                                    <p:cond delay="0"/>
+                                  </p:stCondLst>
+                                  <p:childTnLst>
+                                    <p:set>
+                                      <p:cBhvr>
+                                        <p:cTn id="11" dur="1" fill="hold">
+                                          <p:stCondLst>
+                                            <p:cond delay="0"/>
+                                          </p:stCondLst>
+                                        </p:cTn>
+                                        <p:tgtEl>
+                                          <p:spTgt spid="3">
+                                            <p:txEl>
+                                              <p:pRg st="1" end="1"/>
+                                            </p:txEl>
+                                          </p:spTgt>
+                                        </p:tgtEl>
+                                        <p:attrNameLst>
+                                          <p:attrName>style.visibility</p:attrName>
+                                        </p:attrNameLst>
+                                      </p:cBhvr>
+                                      <p:to>
+                                        <p:strVal val="visible"/>
+                                      </p:to>
+                                    </p:set>
+                                    <p:animEffect transition="in" filter="fade">
+                                      <p:cBhvr>
+                                        <p:cTn id="12" dur="1000"/>
+                                        <p:tgtEl>
+                                          <p:spTgt spid="3">
+                                            <p:txEl>
+                                              <p:pRg st="1" end="1"/>
+                                            </p:txEl>
+                                          </p:spTgt>
+                                        </p:tgtEl>
+                                      </p:cBhvr>
+                                    </p:animEffect>
+                                    <p:anim calcmode="lin" valueType="num">
+                                      <p:cBhvr>
+                                        <p:cTn id="13" dur="1000" fill="hold"/>
+                                        <p:tgtEl>
+                                          <p:spTgt spid="3">
+                                            <p:txEl>
+                                              <p:pRg st="1" end="1"/>
+                                            </p:txEl>
+                                          </p:spTgt>
+                                        </p:tgtEl>
+                                        <p:attrNameLst>
+                                          <p:attrName>ppt_x</p:attrName>
+                                        </p:attrNameLst>
+                                      </p:cBhvr>
+                                      <p:tavLst>
+                                        <p:tav tm="0">
+                                          <p:val>
+                                            <p:strVal val="#ppt_x"/>
+                                          </p:val>
+                                        </p:tav>
+                                        <p:tav tm="100000">
+                                          <p:val>
+                                            <p:strVal val="#ppt_x"/>
+                                          </p:val>
+                                        </p:tav>
+                                      </p:tavLst>
+                                    </p:anim>
+                                    <p:anim calcmode="lin" valueType="num">
+                                      <p:cBhvr>
+                                        <p:cTn id="14" dur="1000" fill="hold"/>
+                                        <p:tgtEl>
+                                          <p:spTgt spid="3">
+                                            <p:txEl>
+                                              <p:pRg st="1" end="1"/>
+                                            </p:txEl>
+                                          </p:spTgt>
+                                        </p:tgtEl>
+                                        <p:attrNameLst>
+                                          <p:attrName>ppt_y</p:attrName>
+                                        </p:attrNameLst>
+                                      </p:cBhvr>
+                                      <p:tavLst>
+                                        <p:tav tm="0">
+                                          <p:val>
+                                            <p:strVal val="#ppt_y+.1"/>
+                                          </p:val>
+                                        </p:tav>
+                                        <p:tav tm="100000">
+                                          <p:val>
+                                            <p:strVal val="#ppt_y"/>
+                                          </p:val>
+                                        </p:tav>
+                                      </p:tavLst>
+                                    </p:anim>
+                                  </p:childTnLst>
+                                </p:cTn>
+                              </p:par>
+                              <p:par>
+                                <p:cTn id="15" presetID="42" presetClass="entr" presetSubtype="0" fill="hold" nodeType="withEffect">
+                                  <p:stCondLst>
+                                    <p:cond delay="0"/>
+                                  </p:stCondLst>
+                                  <p:childTnLst>
+                                    <p:set>
+                                      <p:cBhvr>
+                                        <p:cTn id="16" dur="1" fill="hold">
+                                          <p:stCondLst>
+                                            <p:cond delay="0"/>
+                                          </p:stCondLst>
+                                        </p:cTn>
+                                        <p:tgtEl>
+                                          <p:spTgt spid="3">
+                                            <p:txEl>
+                                              <p:pRg st="2" end="2"/>
+                                            </p:txEl>
+                                          </p:spTgt>
+                                        </p:tgtEl>
+                                        <p:attrNameLst>
+                                          <p:attrName>style.visibility</p:attrName>
+                                        </p:attrNameLst>
+                                      </p:cBhvr>
+                                      <p:to>
+                                        <p:strVal val="visible"/>
+                                      </p:to>
+                                    </p:set>
+                                    <p:animEffect transition="in" filter="fade">
+                                      <p:cBhvr>
+                                        <p:cTn id="17" dur="1000"/>
+                                        <p:tgtEl>
+                                          <p:spTgt spid="3">
+                                            <p:txEl>
+                                              <p:pRg st="2" end="2"/>
+                                            </p:txEl>
+                                          </p:spTgt>
+                                        </p:tgtEl>
+                                      </p:cBhvr>
+                                    </p:animEffect>
+                                    <p:anim calcmode="lin" valueType="num">
+                                      <p:cBhvr>
+                                        <p:cTn id="18" dur="1000" fill="hold"/>
+                                        <p:tgtEl>
+                                          <p:spTgt spid="3">
+                                            <p:txEl>
+                                              <p:pRg st="2" end="2"/>
+                                            </p:txEl>
+                                          </p:spTgt>
+                                        </p:tgtEl>
+                                        <p:attrNameLst>
+                                          <p:attrName>ppt_x</p:attrName>
+                                        </p:attrNameLst>
+                                      </p:cBhvr>
+                                      <p:tavLst>
+                                        <p:tav tm="0">
+                                          <p:val>
+                                            <p:strVal val="#ppt_x"/>
+                                          </p:val>
+                                        </p:tav>
+                                        <p:tav tm="100000">
+                                          <p:val>
+                                            <p:strVal val="#ppt_x"/>
+                                          </p:val>
+                                        </p:tav>
+                                      </p:tavLst>
+                                    </p:anim>
+                                    <p:anim calcmode="lin" valueType="num">
+                                      <p:cBhvr>
+                                        <p:cTn id="19" dur="1000" fill="hold"/>
+                                        <p:tgtEl>
+                                          <p:spTgt spid="3">
+                                            <p:txEl>
+                                              <p:pRg st="2" end="2"/>
+                                            </p:txEl>
+                                          </p:spTgt>
+                                        </p:tgtEl>
+                                        <p:attrNameLst>
+                                          <p:attrName>ppt_y</p:attrName>
+                                        </p:attrNameLst>
+                                      </p:cBhvr>
+                                      <p:tavLst>
+                                        <p:tav tm="0">
+                                          <p:val>
+                                            <p:strVal val="#ppt_y+.1"/>
+                                          </p:val>
+                                        </p:tav>
+                                        <p:tav tm="100000">
+                                          <p:val>
+                                            <p:strVal val="#ppt_y"/>
+                                          </p:val>
+                                        </p:tav>
+                                      </p:tavLst>
+                                    </p:anim>
+                                  </p:childTnLst>
+                                </p:cTn>
+                              </p:par>
+                              <p:par>
+                                <p:cTn id="20" presetID="42" presetClass="entr" presetSubtype="0" fill="hold" nodeType="withEffect">
+                                  <p:stCondLst>
+                                    <p:cond delay="0"/>
+                                  </p:stCondLst>
+                                  <p:childTnLst>
+                                    <p:set>
+                                      <p:cBhvr>
+                                        <p:cTn id="21" dur="1" fill="hold">
+                                          <p:stCondLst>
+                                            <p:cond delay="0"/>
+                                          </p:stCondLst>
+                                        </p:cTn>
+                                        <p:tgtEl>
+                                          <p:spTgt spid="3">
+                                            <p:txEl>
+                                              <p:pRg st="3" end="3"/>
+                                            </p:txEl>
+                                          </p:spTgt>
+                                        </p:tgtEl>
+                                        <p:attrNameLst>
+                                          <p:attrName>style.visibility</p:attrName>
+                                        </p:attrNameLst>
+                                      </p:cBhvr>
+                                      <p:to>
+                                        <p:strVal val="visible"/>
+                                      </p:to>
+                                    </p:set>
+                                    <p:animEffect transition="in" filter="fade">
+                                      <p:cBhvr>
+                                        <p:cTn id="22" dur="1000"/>
+                                        <p:tgtEl>
+                                          <p:spTgt spid="3">
+                                            <p:txEl>
+                                              <p:pRg st="3" end="3"/>
+                                            </p:txEl>
+                                          </p:spTgt>
+                                        </p:tgtEl>
+                                      </p:cBhvr>
+                                    </p:animEffect>
+                                    <p:anim calcmode="lin" valueType="num">
+                                      <p:cBhvr>
+                                        <p:cTn id="23" dur="1000" fill="hold"/>
+                                        <p:tgtEl>
+                                          <p:spTgt spid="3">
+                                            <p:txEl>
+                                              <p:pRg st="3" end="3"/>
+                                            </p:txEl>
+                                          </p:spTgt>
+                                        </p:tgtEl>
+                                        <p:attrNameLst>
+                                          <p:attrName>ppt_x</p:attrName>
+                                        </p:attrNameLst>
+                                      </p:cBhvr>
+                                      <p:tavLst>
+                                        <p:tav tm="0">
+                                          <p:val>
+                                            <p:strVal val="#ppt_x"/>
+                                          </p:val>
+                                        </p:tav>
+                                        <p:tav tm="100000">
+                                          <p:val>
+                                            <p:strVal val="#ppt_x"/>
+                                          </p:val>
+                                        </p:tav>
+                                      </p:tavLst>
+                                    </p:anim>
+                                    <p:anim calcmode="lin" valueType="num">
+                                      <p:cBhvr>
+                                        <p:cTn id="24" dur="1000" fill="hold"/>
+                                        <p:tgtEl>
+                                          <p:spTgt spid="3">
+                                            <p:txEl>
+                                              <p:pRg st="3" end="3"/>
+                                            </p:txEl>
+                                          </p:spTgt>
+                                        </p:tgtEl>
+                                        <p:attrNameLst>
+                                          <p:attrName>ppt_y</p:attrName>
+                                        </p:attrNameLst>
+                                      </p:cBhvr>
+                                      <p:tavLst>
+                                        <p:tav tm="0">
+                                          <p:val>
+                                            <p:strVal val="#ppt_y+.1"/>
+                                          </p:val>
+                                        </p:tav>
+                                        <p:tav tm="100000">
+                                          <p:val>
+                                            <p:strVal val="#ppt_y"/>
+                                          </p:val>
+                                        </p:tav>
+                                      </p:tavLst>
+                                    </p:anim>
+                                  </p:childTnLst>
+                                </p:cTn>
+                              </p:par>
+                            </p:childTnLst>
+                          </p:cTn>
+                        </p:par>
+                      </p:childTnLst>
+                    </p:cTn>
+                  </p:par>
+                  <p:par>
+                    <p:cTn id="25" fill="hold">
+                      <p:stCondLst>
+                        <p:cond delay="indefinite"/>
+                      </p:stCondLst>
+                      <p:childTnLst>
+                        <p:par>
+                          <p:cTn id="26" fill="hold">
+                            <p:stCondLst>
+                              <p:cond delay="0"/>
+                            </p:stCondLst>
+                            <p:childTnLst>
+                              <p:par>
+                                <p:cTn id="27" presetID="42" presetClass="entr" presetSubtype="0" fill="hold" nodeType="clickEffect">
+                                  <p:stCondLst>
+                                    <p:cond delay="0"/>
+                                  </p:stCondLst>
+                                  <p:childTnLst>
+                                    <p:set>
+                                      <p:cBhvr>
+                                        <p:cTn id="28" dur="1" fill="hold">
+                                          <p:stCondLst>
+                                            <p:cond delay="0"/>
+                                          </p:stCondLst>
+                                        </p:cTn>
+                                        <p:tgtEl>
+                                          <p:spTgt spid="3">
+                                            <p:txEl>
+                                              <p:pRg st="4" end="4"/>
+                                            </p:txEl>
+                                          </p:spTgt>
+                                        </p:tgtEl>
+                                        <p:attrNameLst>
+                                          <p:attrName>style.visibility</p:attrName>
+                                        </p:attrNameLst>
+                                      </p:cBhvr>
+                                      <p:to>
+                                        <p:strVal val="visible"/>
+                                      </p:to>
+                                    </p:set>
+                                    <p:animEffect transition="in" filter="fade">
+                                      <p:cBhvr>
+                                        <p:cTn id="29" dur="1000"/>
+                                        <p:tgtEl>
+                                          <p:spTgt spid="3">
+                                            <p:txEl>
+                                              <p:pRg st="4" end="4"/>
+                                            </p:txEl>
+                                          </p:spTgt>
+                                        </p:tgtEl>
+                                      </p:cBhvr>
+                                    </p:animEffect>
+                                    <p:anim calcmode="lin" valueType="num">
+                                      <p:cBhvr>
+                                        <p:cTn id="30" dur="1000" fill="hold"/>
+                                        <p:tgtEl>
+                                          <p:spTgt spid="3">
+                                            <p:txEl>
+                                              <p:pRg st="4" end="4"/>
+                                            </p:txEl>
+                                          </p:spTgt>
+                                        </p:tgtEl>
+                                        <p:attrNameLst>
+                                          <p:attrName>ppt_x</p:attrName>
+                                        </p:attrNameLst>
+                                      </p:cBhvr>
+                                      <p:tavLst>
+                                        <p:tav tm="0">
+                                          <p:val>
+                                            <p:strVal val="#ppt_x"/>
+                                          </p:val>
+                                        </p:tav>
+                                        <p:tav tm="100000">
+                                          <p:val>
+                                            <p:strVal val="#ppt_x"/>
+                                          </p:val>
+                                        </p:tav>
+                                      </p:tavLst>
+                                    </p:anim>
+                                    <p:anim calcmode="lin" valueType="num">
+                                      <p:cBhvr>
+                                        <p:cTn id="31" dur="1000" fill="hold"/>
+                                        <p:tgtEl>
+                                          <p:spTgt spid="3">
+                                            <p:txEl>
+                                              <p:pRg st="4" end="4"/>
+                                            </p:txEl>
+                                          </p:spTgt>
+                                        </p:tgtEl>
+                                        <p:attrNameLst>
+                                          <p:attrName>ppt_y</p:attrName>
+                                        </p:attrNameLst>
+                                      </p:cBhvr>
+                                      <p:tavLst>
+                                        <p:tav tm="0">
+                                          <p:val>
+                                            <p:strVal val="#ppt_y+.1"/>
+                                          </p:val>
+                                        </p:tav>
+                                        <p:tav tm="100000">
+                                          <p:val>
+                                            <p:strVal val="#ppt_y"/>
+                                          </p:val>
+                                        </p:tav>
+                                      </p:tavLst>
+                                    </p:anim>
+                                  </p:childTnLst>
+                                </p:cTn>
+                              </p:par>
+                              <p:par>
+                                <p:cTn id="32" presetID="42" presetClass="entr" presetSubtype="0" fill="hold" nodeType="withEffect">
+                                  <p:stCondLst>
+                                    <p:cond delay="0"/>
+                                  </p:stCondLst>
+                                  <p:childTnLst>
+                                    <p:set>
+                                      <p:cBhvr>
+                                        <p:cTn id="33" dur="1" fill="hold">
+                                          <p:stCondLst>
+                                            <p:cond delay="0"/>
+                                          </p:stCondLst>
+                                        </p:cTn>
+                                        <p:tgtEl>
+                                          <p:spTgt spid="3">
+                                            <p:txEl>
+                                              <p:pRg st="5" end="5"/>
+                                            </p:txEl>
+                                          </p:spTgt>
+                                        </p:tgtEl>
+                                        <p:attrNameLst>
+                                          <p:attrName>style.visibility</p:attrName>
+                                        </p:attrNameLst>
+                                      </p:cBhvr>
+                                      <p:to>
+                                        <p:strVal val="visible"/>
+                                      </p:to>
+                                    </p:set>
+                                    <p:animEffect transition="in" filter="fade">
+                                      <p:cBhvr>
+                                        <p:cTn id="34" dur="1000"/>
+                                        <p:tgtEl>
+                                          <p:spTgt spid="3">
+                                            <p:txEl>
+                                              <p:pRg st="5" end="5"/>
+                                            </p:txEl>
+                                          </p:spTgt>
+                                        </p:tgtEl>
+                                      </p:cBhvr>
+                                    </p:animEffect>
+                                    <p:anim calcmode="lin" valueType="num">
+                                      <p:cBhvr>
+                                        <p:cTn id="35" dur="1000" fill="hold"/>
+                                        <p:tgtEl>
+                                          <p:spTgt spid="3">
+                                            <p:txEl>
+                                              <p:pRg st="5" end="5"/>
+                                            </p:txEl>
+                                          </p:spTgt>
+                                        </p:tgtEl>
+                                        <p:attrNameLst>
+                                          <p:attrName>ppt_x</p:attrName>
+                                        </p:attrNameLst>
+                                      </p:cBhvr>
+                                      <p:tavLst>
+                                        <p:tav tm="0">
+                                          <p:val>
+                                            <p:strVal val="#ppt_x"/>
+                                          </p:val>
+                                        </p:tav>
+                                        <p:tav tm="100000">
+                                          <p:val>
+                                            <p:strVal val="#ppt_x"/>
+                                          </p:val>
+                                        </p:tav>
+                                      </p:tavLst>
+                                    </p:anim>
+                                    <p:anim calcmode="lin" valueType="num">
+                                      <p:cBhvr>
+                                        <p:cTn id="36" dur="1000" fill="hold"/>
+                                        <p:tgtEl>
+                                          <p:spTgt spid="3">
+                                            <p:txEl>
+                                              <p:pRg st="5" end="5"/>
+                                            </p:txEl>
+                                          </p:spTgt>
+                                        </p:tgtEl>
+                                        <p:attrNameLst>
+                                          <p:attrName>ppt_y</p:attrName>
+                                        </p:attrNameLst>
+                                      </p:cBhvr>
+                                      <p:tavLst>
+                                        <p:tav tm="0">
+                                          <p:val>
+                                            <p:strVal val="#ppt_y+.1"/>
+                                          </p:val>
+                                        </p:tav>
+                                        <p:tav tm="100000">
+                                          <p:val>
+                                            <p:strVal val="#ppt_y"/>
+                                          </p:val>
+                                        </p:tav>
+                                      </p:tavLst>
+                                    </p:anim>
+                                  </p:childTnLst>
+                                </p:cTn>
+                              </p:par>
+                              <p:par>
+                                <p:cTn id="37" presetID="42" presetClass="entr" presetSubtype="0" fill="hold" nodeType="withEffect">
+                                  <p:stCondLst>
+                                    <p:cond delay="0"/>
+                                  </p:stCondLst>
+                                  <p:childTnLst>
+                                    <p:set>
+                                      <p:cBhvr>
+                                        <p:cTn id="38" dur="1" fill="hold">
+                                          <p:stCondLst>
+                                            <p:cond delay="0"/>
+                                          </p:stCondLst>
+                                        </p:cTn>
+                                        <p:tgtEl>
+                                          <p:spTgt spid="3">
+                                            <p:txEl>
+                                              <p:pRg st="6" end="6"/>
+                                            </p:txEl>
+                                          </p:spTgt>
+                                        </p:tgtEl>
+                                        <p:attrNameLst>
+                                          <p:attrName>style.visibility</p:attrName>
+                                        </p:attrNameLst>
+                                      </p:cBhvr>
+                                      <p:to>
+                                        <p:strVal val="visible"/>
+                                      </p:to>
+                                    </p:set>
+                                    <p:animEffect transition="in" filter="fade">
+                                      <p:cBhvr>
+                                        <p:cTn id="39" dur="1000"/>
+                                        <p:tgtEl>
+                                          <p:spTgt spid="3">
+                                            <p:txEl>
+                                              <p:pRg st="6" end="6"/>
+                                            </p:txEl>
+                                          </p:spTgt>
+                                        </p:tgtEl>
+                                      </p:cBhvr>
+                                    </p:animEffect>
+                                    <p:anim calcmode="lin" valueType="num">
+                                      <p:cBhvr>
+                                        <p:cTn id="40" dur="1000" fill="hold"/>
+                                        <p:tgtEl>
+                                          <p:spTgt spid="3">
+                                            <p:txEl>
+                                              <p:pRg st="6" end="6"/>
+                                            </p:txEl>
+                                          </p:spTgt>
+                                        </p:tgtEl>
+                                        <p:attrNameLst>
+                                          <p:attrName>ppt_x</p:attrName>
+                                        </p:attrNameLst>
+                                      </p:cBhvr>
+                                      <p:tavLst>
+                                        <p:tav tm="0">
+                                          <p:val>
+                                            <p:strVal val="#ppt_x"/>
+                                          </p:val>
+                                        </p:tav>
+                                        <p:tav tm="100000">
+                                          <p:val>
+                                            <p:strVal val="#ppt_x"/>
+                                          </p:val>
+                                        </p:tav>
+                                      </p:tavLst>
+                                    </p:anim>
+                                    <p:anim calcmode="lin" valueType="num">
+                                      <p:cBhvr>
+                                        <p:cTn id="41" dur="1000" fill="hold"/>
+                                        <p:tgtEl>
+                                          <p:spTgt spid="3">
+                                            <p:txEl>
+                                              <p:pRg st="6" end="6"/>
+                                            </p:txEl>
+                                          </p:spTgt>
+                                        </p:tgtEl>
+                                        <p:attrNameLst>
+                                          <p:attrName>ppt_y</p:attrName>
+                                        </p:attrNameLst>
+                                      </p:cBhvr>
+                                      <p:tavLst>
+                                        <p:tav tm="0">
+                                          <p:val>
+                                            <p:strVal val="#ppt_y+.1"/>
+                                          </p:val>
+                                        </p:tav>
+                                        <p:tav tm="100000">
+                                          <p:val>
+                                            <p:strVal val="#ppt_y"/>
+                                          </p:val>
+                                        </p:tav>
+                                      </p:tavLst>
+                                    </p:anim>
+                                  </p:childTnLst>
+                                </p:cTn>
+                              </p:par>
+                              <p:par>
+                                <p:cTn id="42" presetID="42" presetClass="entr" presetSubtype="0" fill="hold" nodeType="withEffect">
+                                  <p:stCondLst>
+                                    <p:cond delay="0"/>
+                                  </p:stCondLst>
+                                  <p:childTnLst>
+                                    <p:set>
+                                      <p:cBhvr>
+                                        <p:cTn id="43" dur="1" fill="hold">
+                                          <p:stCondLst>
+                                            <p:cond delay="0"/>
+                                          </p:stCondLst>
+                                        </p:cTn>
+                                        <p:tgtEl>
+                                          <p:spTgt spid="3">
+                                            <p:txEl>
+                                              <p:pRg st="7" end="7"/>
+                                            </p:txEl>
+                                          </p:spTgt>
+                                        </p:tgtEl>
+                                        <p:attrNameLst>
+                                          <p:attrName>style.visibility</p:attrName>
+                                        </p:attrNameLst>
+                                      </p:cBhvr>
+                                      <p:to>
+                                        <p:strVal val="visible"/>
+                                      </p:to>
+                                    </p:set>
+                                    <p:animEffect transition="in" filter="fade">
+                                      <p:cBhvr>
+                                        <p:cTn id="44" dur="1000"/>
+                                        <p:tgtEl>
+                                          <p:spTgt spid="3">
+                                            <p:txEl>
+                                              <p:pRg st="7" end="7"/>
+                                            </p:txEl>
+                                          </p:spTgt>
+                                        </p:tgtEl>
+                                      </p:cBhvr>
+                                    </p:animEffect>
+                                    <p:anim calcmode="lin" valueType="num">
+                                      <p:cBhvr>
+                                        <p:cTn id="45" dur="1000" fill="hold"/>
+                                        <p:tgtEl>
+                                          <p:spTgt spid="3">
+                                            <p:txEl>
+                                              <p:pRg st="7" end="7"/>
+                                            </p:txEl>
+                                          </p:spTgt>
+                                        </p:tgtEl>
+                                        <p:attrNameLst>
+                                          <p:attrName>ppt_x</p:attrName>
+                                        </p:attrNameLst>
+                                      </p:cBhvr>
+                                      <p:tavLst>
+                                        <p:tav tm="0">
+                                          <p:val>
+                                            <p:strVal val="#ppt_x"/>
+                                          </p:val>
+                                        </p:tav>
+                                        <p:tav tm="100000">
+                                          <p:val>
+                                            <p:strVal val="#ppt_x"/>
+                                          </p:val>
+                                        </p:tav>
+                                      </p:tavLst>
+                                    </p:anim>
+                                    <p:anim calcmode="lin" valueType="num">
+                                      <p:cBhvr>
+                                        <p:cTn id="46" dur="1000" fill="hold"/>
+                                        <p:tgtEl>
+                                          <p:spTgt spid="3">
+                                            <p:txEl>
+                                              <p:pRg st="7" end="7"/>
+                                            </p:txEl>
+                                          </p:spTgt>
+                                        </p:tgtEl>
+                                        <p:attrNameLst>
+                                          <p:attrName>ppt_y</p:attrName>
+                                        </p:attrNameLst>
+                                      </p:cBhvr>
+                                      <p:tavLst>
+                                        <p:tav tm="0">
+                                          <p:val>
+                                            <p:strVal val="#ppt_y+.1"/>
+                                          </p:val>
+                                        </p:tav>
+                                        <p:tav tm="100000">
+                                          <p:val>
+                                            <p:strVal val="#ppt_y"/>
+                                          </p:val>
+                                        </p:tav>
+                                      </p:tavLst>
+                                    </p:anim>
+                                  </p:childTnLst>
+                                </p:cTn>
+                              </p:par>
+                            </p:childTnLst>
+                          </p:cTn>
+                        </p:par>
+                      </p:childTnLst>
+                    </p:cTn>
+                  </p:par>
+                </p:childTnLst>
+              </p:cTn>
+              <p:prevCondLst>
+                <p:cond evt="onPrev" delay="0">
+                  <p:tgtEl>
+                    <p:sldTgt/>
+                  </p:tgtEl>
+                </p:cond>
+              </p:prevCondLst>
+              <p:nextCondLst>
+                <p:cond evt="onNext" delay="0">
+                  <p:tgtEl>
+                    <p:sldTgt/>
+                  </p:tgtEl>
+                </p:cond>
+              </p:nextCondLst>
+            </p:seq>
+          </p:childTnLst>
+        </p:cTn>
+      </p:par>
+    </p:tnLst>
+  </p:timing>
+</p:sld>
+</file>
+
+<file path=ppt/slides/slide3.xml><?xml version="1.0" encoding="utf-8"?>
+<p:sld xmlns:a="http://schemas.openxmlformats.org/drawingml/2006/main" xmlns:r="http://schemas.openxmlformats.org/officeDocument/2006/relationships" xmlns:p="http://schemas.openxmlformats.org/presentationml/2006/main">
+  <p:cSld>
+    <p:spTree>
+      <p:nvGrpSpPr>
+        <p:cNvPr id="1" name="">
+          <a:extLst>
+            <a:ext uri="{FF2B5EF4-FFF2-40B4-BE49-F238E27FC236}">
+              <a16:creationId xmlns:a16="http://schemas.microsoft.com/office/drawing/2014/main" id="{E89F3022-5051-FC9F-1CBA-8F38C78C13A4}"/>
+            </a:ext>
+          </a:extLst>
+        </p:cNvPr>
+        <p:cNvGrpSpPr/>
+        <p:nvPr/>
+      </p:nvGrpSpPr>
+      <p:grpSpPr>
+        <a:xfrm>
+          <a:off x="0" y="0"/>
+          <a:ext cx="0" cy="0"/>
+          <a:chOff x="0" y="0"/>
+          <a:chExt cx="0" cy="0"/>
+        </a:xfrm>
+      </p:grpSpPr>
+      <p:sp>
+        <p:nvSpPr>
+          <p:cNvPr id="2" name="Title 1">
+            <a:extLst>
+              <a:ext uri="{FF2B5EF4-FFF2-40B4-BE49-F238E27FC236}">
+                <a16:creationId xmlns:a16="http://schemas.microsoft.com/office/drawing/2014/main" id="{5D89FB8A-009C-42D1-0123-ABEC0F21597E}"/>
+              </a:ext>
+            </a:extLst>
+          </p:cNvPr>
+          <p:cNvSpPr>
+            <a:spLocks noGrp="1"/>
+          </p:cNvSpPr>
+          <p:nvPr>
+            <p:ph type="title"/>
+          </p:nvPr>
+        </p:nvSpPr>
+        <p:spPr>
+          <a:xfrm>
+            <a:off x="1097280" y="286604"/>
+            <a:ext cx="10058400" cy="798126"/>
+          </a:xfrm>
+        </p:spPr>
+        <p:txBody>
+          <a:bodyPr/>
+          <a:lstStyle/>
+          <a:p>
+            <a:pPr algn="r"/>
+            <a:r>
+              <a:rPr lang="he-IL" dirty="0"/>
+              <a:t>קלט</a:t>
+            </a:r>
+            <a:endParaRPr lang="LID4096" dirty="0"/>
+          </a:p>
+        </p:txBody>
+      </p:sp>
+      <p:sp>
+        <p:nvSpPr>
+          <p:cNvPr id="3" name="Content Placeholder 2">
+            <a:extLst>
+              <a:ext uri="{FF2B5EF4-FFF2-40B4-BE49-F238E27FC236}">
+                <a16:creationId xmlns:a16="http://schemas.microsoft.com/office/drawing/2014/main" id="{EA8E4755-7A7A-A709-FB31-A70DE3A84553}"/>
+              </a:ext>
+            </a:extLst>
+          </p:cNvPr>
+          <p:cNvSpPr>
+            <a:spLocks noGrp="1"/>
+          </p:cNvSpPr>
+          <p:nvPr>
+            <p:ph idx="1"/>
+          </p:nvPr>
+        </p:nvSpPr>
+        <p:spPr>
+          <a:xfrm>
+            <a:off x="1097280" y="1748118"/>
+            <a:ext cx="10058400" cy="4120976"/>
+          </a:xfrm>
+        </p:spPr>
+        <p:txBody>
+          <a:bodyPr>
+            <a:normAutofit lnSpcReduction="10000"/>
+          </a:bodyPr>
+          <a:lstStyle/>
+          <a:p>
+            <a:r>
+              <a:rPr lang="en-US" sz="2400" dirty="0" err="1"/>
+              <a:t>Readline</a:t>
+            </a:r>
+            <a:r>
+              <a:rPr lang="he-IL" sz="2400" dirty="0"/>
+              <a:t>:</a:t>
+            </a:r>
+          </a:p>
+          <a:p>
+            <a:pPr algn="r">
+              <a:lnSpc>
+                <a:spcPct val="100000"/>
+              </a:lnSpc>
+            </a:pPr>
+            <a:r>
+              <a:rPr lang="he-IL" dirty="0"/>
+              <a:t>הפקודה הזאת, הפעולה שלה זה לקלוט קלט במסך(בקונסול).</a:t>
+            </a:r>
+          </a:p>
+          <a:p>
+            <a:pPr algn="r">
+              <a:lnSpc>
+                <a:spcPct val="100000"/>
+              </a:lnSpc>
+            </a:pPr>
+            <a:r>
+              <a:rPr lang="he-IL" dirty="0"/>
+              <a:t>והוא מעביר אותה למשתנה מסוג מחרוזת</a:t>
+            </a:r>
+            <a:endParaRPr lang="en-US" dirty="0"/>
+          </a:p>
+          <a:p>
+            <a:pPr algn="r">
+              <a:lnSpc>
+                <a:spcPct val="100000"/>
+              </a:lnSpc>
+            </a:pPr>
+            <a:endParaRPr lang="en-US" dirty="0"/>
+          </a:p>
+          <a:p>
+            <a:pPr>
+              <a:lnSpc>
+                <a:spcPct val="100000"/>
+              </a:lnSpc>
+            </a:pPr>
+            <a:r>
+              <a:rPr lang="en-US" sz="2400" dirty="0"/>
+              <a:t>Parse:</a:t>
+            </a:r>
+            <a:r>
+              <a:rPr lang="en-US" dirty="0"/>
+              <a:t> </a:t>
+            </a:r>
+          </a:p>
+          <a:p>
+            <a:pPr algn="r">
+              <a:lnSpc>
+                <a:spcPct val="100000"/>
+              </a:lnSpc>
+            </a:pPr>
+            <a:r>
+              <a:rPr lang="he-IL" dirty="0"/>
+              <a:t>הפקודה הזאת, הפעולה שלה היא לקלוט קלט מהמסך(מהקונסול)</a:t>
+            </a:r>
+          </a:p>
+          <a:p>
+            <a:pPr algn="r">
+              <a:lnSpc>
+                <a:spcPct val="100000"/>
+              </a:lnSpc>
+            </a:pPr>
+            <a:r>
+              <a:rPr lang="he-IL" dirty="0"/>
+              <a:t> והופך קלט מסוג מחרוזת למספר</a:t>
+            </a:r>
+          </a:p>
+          <a:p>
+            <a:pPr algn="r">
+              <a:lnSpc>
+                <a:spcPct val="100000"/>
+              </a:lnSpc>
+            </a:pPr>
+            <a:r>
+              <a:rPr lang="he-IL" dirty="0"/>
+              <a:t>ויש סוגים כמו: </a:t>
+            </a:r>
+            <a:endParaRPr lang="en-US" dirty="0"/>
+          </a:p>
+          <a:p>
+            <a:pPr algn="r">
+              <a:lnSpc>
+                <a:spcPct val="100000"/>
+              </a:lnSpc>
+            </a:pPr>
+            <a:r>
+              <a:rPr lang="en-US" dirty="0" err="1"/>
+              <a:t>Int.parse</a:t>
+            </a:r>
+            <a:r>
+              <a:rPr lang="en-US" dirty="0"/>
+              <a:t>, </a:t>
+            </a:r>
+            <a:r>
+              <a:rPr lang="en-US" dirty="0" err="1"/>
+              <a:t>float.parse</a:t>
+            </a:r>
+            <a:r>
+              <a:rPr lang="en-US" dirty="0"/>
+              <a:t>, </a:t>
+            </a:r>
+            <a:r>
+              <a:rPr lang="en-US" dirty="0" err="1"/>
+              <a:t>double.parse</a:t>
+            </a:r>
+            <a:r>
+              <a:rPr lang="en-US" dirty="0"/>
+              <a:t> </a:t>
+            </a:r>
+            <a:r>
+              <a:rPr lang="en-US" dirty="0" err="1"/>
+              <a:t>etc</a:t>
+            </a:r>
+            <a:r>
+              <a:rPr lang="en-US" dirty="0"/>
+              <a:t>…</a:t>
+            </a:r>
+          </a:p>
+          <a:p>
+            <a:pPr marL="0" indent="0" algn="r">
+              <a:lnSpc>
+                <a:spcPct val="100000"/>
+              </a:lnSpc>
+              <a:buNone/>
+            </a:pPr>
+            <a:endParaRPr lang="he-IL" dirty="0"/>
+          </a:p>
+        </p:txBody>
+      </p:sp>
+    </p:spTree>
+    <p:extLst>
+      <p:ext uri="{BB962C8B-B14F-4D97-AF65-F5344CB8AC3E}">
+        <p14:creationId xmlns:p14="http://schemas.microsoft.com/office/powerpoint/2010/main" val="1075836747"/>
+      </p:ext>
+    </p:extLst>
+  </p:cSld>
+  <p:clrMapOvr>
+    <a:masterClrMapping/>
+  </p:clrMapOvr>
+  <mc:AlternateContent xmlns:mc="http://schemas.openxmlformats.org/markup-compatibility/2006">
+    <mc:Choice xmlns:p14="http://schemas.microsoft.com/office/powerpoint/2010/main" Requires="p14">
+      <p:transition spd="med" p14:dur="700">
+        <p:fade/>
+      </p:transition>
+    </mc:Choice>
+    <mc:Fallback>
+      <p:transition spd="med">
+        <p:fade/>
+      </p:transition>
+    </mc:Fallback>
+  </mc:AlternateContent>
+  <p:timing>
+    <p:tnLst>
+      <p:par>
+        <p:cTn id="1" dur="indefinite" restart="never" nodeType="tmRoot">
+          <p:childTnLst>
+            <p:seq concurrent="1" nextAc="seek">
+              <p:cTn id="2" dur="indefinite" nodeType="mainSeq">
+                <p:childTnLst>
+                  <p:par>
+                    <p:cTn id="3" fill="hold">
+                      <p:stCondLst>
+                        <p:cond delay="indefinite"/>
+                      </p:stCondLst>
+                      <p:childTnLst>
+                        <p:par>
+                          <p:cTn id="4" fill="hold">
+                            <p:stCondLst>
+                              <p:cond delay="0"/>
+                            </p:stCondLst>
+                            <p:childTnLst>
+                              <p:par>
+                                <p:cTn id="5" presetID="42" presetClass="entr" presetSubtype="0" fill="hold" nodeType="clickEffect">
+                                  <p:stCondLst>
+                                    <p:cond delay="0"/>
+                                  </p:stCondLst>
+                                  <p:childTnLst>
+                                    <p:set>
+                                      <p:cBhvr>
+                                        <p:cTn id="6" dur="1" fill="hold">
+                                          <p:stCondLst>
+                                            <p:cond delay="0"/>
+                                          </p:stCondLst>
+                                        </p:cTn>
+                                        <p:tgtEl>
+                                          <p:spTgt spid="3">
+                                            <p:txEl>
+                                              <p:pRg st="0" end="0"/>
+                                            </p:txEl>
+                                          </p:spTgt>
+                                        </p:tgtEl>
+                                        <p:attrNameLst>
+                                          <p:attrName>style.visibility</p:attrName>
+                                        </p:attrNameLst>
+                                      </p:cBhvr>
+                                      <p:to>
+                                        <p:strVal val="visible"/>
+                                      </p:to>
+                                    </p:set>
+                                    <p:animEffect transition="in" filter="fade">
+                                      <p:cBhvr>
+                                        <p:cTn id="7" dur="1000"/>
+                                        <p:tgtEl>
+                                          <p:spTgt spid="3">
+                                            <p:txEl>
+                                              <p:pRg st="0" end="0"/>
+                                            </p:txEl>
+                                          </p:spTgt>
+                                        </p:tgtEl>
+                                      </p:cBhvr>
+                                    </p:animEffect>
+                                    <p:anim calcmode="lin" valueType="num">
+                                      <p:cBhvr>
+                                        <p:cTn id="8" dur="1000" fill="hold"/>
+                                        <p:tgtEl>
+                                          <p:spTgt spid="3">
+                                            <p:txEl>
+                                              <p:pRg st="0" end="0"/>
+                                            </p:txEl>
+                                          </p:spTgt>
+                                        </p:tgtEl>
+                                        <p:attrNameLst>
+                                          <p:attrName>ppt_x</p:attrName>
+                                        </p:attrNameLst>
+                                      </p:cBhvr>
+                                      <p:tavLst>
+                                        <p:tav tm="0">
+                                          <p:val>
+                                            <p:strVal val="#ppt_x"/>
+                                          </p:val>
+                                        </p:tav>
+                                        <p:tav tm="100000">
+                                          <p:val>
+                                            <p:strVal val="#ppt_x"/>
+                                          </p:val>
+                                        </p:tav>
+                                      </p:tavLst>
+                                    </p:anim>
+                                    <p:anim calcmode="lin" valueType="num">
+                                      <p:cBhvr>
+                                        <p:cTn id="9" dur="1000" fill="hold"/>
+                                        <p:tgtEl>
+                                          <p:spTgt spid="3">
+                                            <p:txEl>
+                                              <p:pRg st="0" end="0"/>
+                                            </p:txEl>
+                                          </p:spTgt>
+                                        </p:tgtEl>
+                                        <p:attrNameLst>
+                                          <p:attrName>ppt_y</p:attrName>
+                                        </p:attrNameLst>
+                                      </p:cBhvr>
+                                      <p:tavLst>
+                                        <p:tav tm="0">
+                                          <p:val>
+                                            <p:strVal val="#ppt_y+.1"/>
+                                          </p:val>
+                                        </p:tav>
+                                        <p:tav tm="100000">
+                                          <p:val>
+                                            <p:strVal val="#ppt_y"/>
+                                          </p:val>
+                                        </p:tav>
+                                      </p:tavLst>
+                                    </p:anim>
+                                  </p:childTnLst>
+                                </p:cTn>
+                              </p:par>
+                              <p:par>
+                                <p:cTn id="10" presetID="42" presetClass="entr" presetSubtype="0" fill="hold" nodeType="withEffect">
+                                  <p:stCondLst>
+                                    <p:cond delay="0"/>
+                                  </p:stCondLst>
+                                  <p:childTnLst>
+                                    <p:set>
+                                      <p:cBhvr>
+                                        <p:cTn id="11" dur="1" fill="hold">
+                                          <p:stCondLst>
+                                            <p:cond delay="0"/>
+                                          </p:stCondLst>
+                                        </p:cTn>
+                                        <p:tgtEl>
+                                          <p:spTgt spid="3">
+                                            <p:txEl>
+                                              <p:pRg st="1" end="1"/>
+                                            </p:txEl>
+                                          </p:spTgt>
+                                        </p:tgtEl>
+                                        <p:attrNameLst>
+                                          <p:attrName>style.visibility</p:attrName>
+                                        </p:attrNameLst>
+                                      </p:cBhvr>
+                                      <p:to>
+                                        <p:strVal val="visible"/>
+                                      </p:to>
+                                    </p:set>
+                                    <p:animEffect transition="in" filter="fade">
+                                      <p:cBhvr>
+                                        <p:cTn id="12" dur="1000"/>
+                                        <p:tgtEl>
+                                          <p:spTgt spid="3">
+                                            <p:txEl>
+                                              <p:pRg st="1" end="1"/>
+                                            </p:txEl>
+                                          </p:spTgt>
+                                        </p:tgtEl>
+                                      </p:cBhvr>
+                                    </p:animEffect>
+                                    <p:anim calcmode="lin" valueType="num">
+                                      <p:cBhvr>
+                                        <p:cTn id="13" dur="1000" fill="hold"/>
+                                        <p:tgtEl>
+                                          <p:spTgt spid="3">
+                                            <p:txEl>
+                                              <p:pRg st="1" end="1"/>
+                                            </p:txEl>
+                                          </p:spTgt>
+                                        </p:tgtEl>
+                                        <p:attrNameLst>
+                                          <p:attrName>ppt_x</p:attrName>
+                                        </p:attrNameLst>
+                                      </p:cBhvr>
+                                      <p:tavLst>
+                                        <p:tav tm="0">
+                                          <p:val>
+                                            <p:strVal val="#ppt_x"/>
+                                          </p:val>
+                                        </p:tav>
+                                        <p:tav tm="100000">
+                                          <p:val>
+                                            <p:strVal val="#ppt_x"/>
+                                          </p:val>
+                                        </p:tav>
+                                      </p:tavLst>
+                                    </p:anim>
+                                    <p:anim calcmode="lin" valueType="num">
+                                      <p:cBhvr>
+                                        <p:cTn id="14" dur="1000" fill="hold"/>
+                                        <p:tgtEl>
+                                          <p:spTgt spid="3">
+                                            <p:txEl>
+                                              <p:pRg st="1" end="1"/>
+                                            </p:txEl>
+                                          </p:spTgt>
+                                        </p:tgtEl>
+                                        <p:attrNameLst>
+                                          <p:attrName>ppt_y</p:attrName>
+                                        </p:attrNameLst>
+                                      </p:cBhvr>
+                                      <p:tavLst>
+                                        <p:tav tm="0">
+                                          <p:val>
+                                            <p:strVal val="#ppt_y+.1"/>
+                                          </p:val>
+                                        </p:tav>
+                                        <p:tav tm="100000">
+                                          <p:val>
+                                            <p:strVal val="#ppt_y"/>
+                                          </p:val>
+                                        </p:tav>
+                                      </p:tavLst>
+                                    </p:anim>
+                                  </p:childTnLst>
+                                </p:cTn>
+                              </p:par>
+                              <p:par>
+                                <p:cTn id="15" presetID="42" presetClass="entr" presetSubtype="0" fill="hold" nodeType="withEffect">
+                                  <p:stCondLst>
+                                    <p:cond delay="0"/>
+                                  </p:stCondLst>
+                                  <p:childTnLst>
+                                    <p:set>
+                                      <p:cBhvr>
+                                        <p:cTn id="16" dur="1" fill="hold">
+                                          <p:stCondLst>
+                                            <p:cond delay="0"/>
+                                          </p:stCondLst>
+                                        </p:cTn>
+                                        <p:tgtEl>
+                                          <p:spTgt spid="3">
+                                            <p:txEl>
+                                              <p:pRg st="2" end="2"/>
+                                            </p:txEl>
+                                          </p:spTgt>
+                                        </p:tgtEl>
+                                        <p:attrNameLst>
+                                          <p:attrName>style.visibility</p:attrName>
+                                        </p:attrNameLst>
+                                      </p:cBhvr>
+                                      <p:to>
+                                        <p:strVal val="visible"/>
+                                      </p:to>
+                                    </p:set>
+                                    <p:animEffect transition="in" filter="fade">
+                                      <p:cBhvr>
+                                        <p:cTn id="17" dur="1000"/>
+                                        <p:tgtEl>
+                                          <p:spTgt spid="3">
+                                            <p:txEl>
+                                              <p:pRg st="2" end="2"/>
+                                            </p:txEl>
+                                          </p:spTgt>
+                                        </p:tgtEl>
+                                      </p:cBhvr>
+                                    </p:animEffect>
+                                    <p:anim calcmode="lin" valueType="num">
+                                      <p:cBhvr>
+                                        <p:cTn id="18" dur="1000" fill="hold"/>
+                                        <p:tgtEl>
+                                          <p:spTgt spid="3">
+                                            <p:txEl>
+                                              <p:pRg st="2" end="2"/>
+                                            </p:txEl>
+                                          </p:spTgt>
+                                        </p:tgtEl>
+                                        <p:attrNameLst>
+                                          <p:attrName>ppt_x</p:attrName>
+                                        </p:attrNameLst>
+                                      </p:cBhvr>
+                                      <p:tavLst>
+                                        <p:tav tm="0">
+                                          <p:val>
+                                            <p:strVal val="#ppt_x"/>
+                                          </p:val>
+                                        </p:tav>
+                                        <p:tav tm="100000">
+                                          <p:val>
+                                            <p:strVal val="#ppt_x"/>
+                                          </p:val>
+                                        </p:tav>
+                                      </p:tavLst>
+                                    </p:anim>
+                                    <p:anim calcmode="lin" valueType="num">
+                                      <p:cBhvr>
+                                        <p:cTn id="19" dur="1000" fill="hold"/>
+                                        <p:tgtEl>
+                                          <p:spTgt spid="3">
+                                            <p:txEl>
+                                              <p:pRg st="2" end="2"/>
+                                            </p:txEl>
+                                          </p:spTgt>
+                                        </p:tgtEl>
+                                        <p:attrNameLst>
+                                          <p:attrName>ppt_y</p:attrName>
+                                        </p:attrNameLst>
+                                      </p:cBhvr>
+                                      <p:tavLst>
+                                        <p:tav tm="0">
+                                          <p:val>
+                                            <p:strVal val="#ppt_y+.1"/>
+                                          </p:val>
+                                        </p:tav>
+                                        <p:tav tm="100000">
+                                          <p:val>
+                                            <p:strVal val="#ppt_y"/>
+                                          </p:val>
+                                        </p:tav>
+                                      </p:tavLst>
+                                    </p:anim>
+                                  </p:childTnLst>
+                                </p:cTn>
+                              </p:par>
+                            </p:childTnLst>
+                          </p:cTn>
+                        </p:par>
+                      </p:childTnLst>
+                    </p:cTn>
+                  </p:par>
+                  <p:par>
+                    <p:cTn id="20" fill="hold">
+                      <p:stCondLst>
+                        <p:cond delay="indefinite"/>
+                      </p:stCondLst>
+                      <p:childTnLst>
+                        <p:par>
+                          <p:cTn id="21" fill="hold">
+                            <p:stCondLst>
+                              <p:cond delay="0"/>
+                            </p:stCondLst>
+                            <p:childTnLst>
+                              <p:par>
+                                <p:cTn id="22" presetID="42" presetClass="entr" presetSubtype="0" fill="hold" nodeType="clickEffect">
+                                  <p:stCondLst>
+                                    <p:cond delay="0"/>
+                                  </p:stCondLst>
+                                  <p:childTnLst>
+                                    <p:set>
+                                      <p:cBhvr>
+                                        <p:cTn id="23" dur="1" fill="hold">
+                                          <p:stCondLst>
+                                            <p:cond delay="0"/>
+                                          </p:stCondLst>
+                                        </p:cTn>
+                                        <p:tgtEl>
+                                          <p:spTgt spid="3">
+                                            <p:txEl>
+                                              <p:pRg st="4" end="4"/>
+                                            </p:txEl>
+                                          </p:spTgt>
+                                        </p:tgtEl>
+                                        <p:attrNameLst>
+                                          <p:attrName>style.visibility</p:attrName>
+                                        </p:attrNameLst>
+                                      </p:cBhvr>
+                                      <p:to>
+                                        <p:strVal val="visible"/>
+                                      </p:to>
+                                    </p:set>
+                                    <p:animEffect transition="in" filter="fade">
+                                      <p:cBhvr>
+                                        <p:cTn id="24" dur="1000"/>
+                                        <p:tgtEl>
+                                          <p:spTgt spid="3">
+                                            <p:txEl>
+                                              <p:pRg st="4" end="4"/>
+                                            </p:txEl>
+                                          </p:spTgt>
+                                        </p:tgtEl>
+                                      </p:cBhvr>
+                                    </p:animEffect>
+                                    <p:anim calcmode="lin" valueType="num">
+                                      <p:cBhvr>
+                                        <p:cTn id="25" dur="1000" fill="hold"/>
+                                        <p:tgtEl>
+                                          <p:spTgt spid="3">
+                                            <p:txEl>
+                                              <p:pRg st="4" end="4"/>
+                                            </p:txEl>
+                                          </p:spTgt>
+                                        </p:tgtEl>
+                                        <p:attrNameLst>
+                                          <p:attrName>ppt_x</p:attrName>
+                                        </p:attrNameLst>
+                                      </p:cBhvr>
+                                      <p:tavLst>
+                                        <p:tav tm="0">
+                                          <p:val>
+                                            <p:strVal val="#ppt_x"/>
+                                          </p:val>
+                                        </p:tav>
+                                        <p:tav tm="100000">
+                                          <p:val>
+                                            <p:strVal val="#ppt_x"/>
+                                          </p:val>
+                                        </p:tav>
+                                      </p:tavLst>
+                                    </p:anim>
+                                    <p:anim calcmode="lin" valueType="num">
+                                      <p:cBhvr>
+                                        <p:cTn id="26" dur="1000" fill="hold"/>
+                                        <p:tgtEl>
+                                          <p:spTgt spid="3">
+                                            <p:txEl>
+                                              <p:pRg st="4" end="4"/>
+                                            </p:txEl>
+                                          </p:spTgt>
+                                        </p:tgtEl>
+                                        <p:attrNameLst>
+                                          <p:attrName>ppt_y</p:attrName>
+                                        </p:attrNameLst>
+                                      </p:cBhvr>
+                                      <p:tavLst>
+                                        <p:tav tm="0">
+                                          <p:val>
+                                            <p:strVal val="#ppt_y+.1"/>
+                                          </p:val>
+                                        </p:tav>
+                                        <p:tav tm="100000">
+                                          <p:val>
+                                            <p:strVal val="#ppt_y"/>
+                                          </p:val>
+                                        </p:tav>
+                                      </p:tavLst>
+                                    </p:anim>
+                                  </p:childTnLst>
+                                </p:cTn>
+                              </p:par>
+                              <p:par>
+                                <p:cTn id="27" presetID="42" presetClass="entr" presetSubtype="0" fill="hold" nodeType="withEffect">
+                                  <p:stCondLst>
+                                    <p:cond delay="0"/>
+                                  </p:stCondLst>
+                                  <p:childTnLst>
+                                    <p:set>
+                                      <p:cBhvr>
+                                        <p:cTn id="28" dur="1" fill="hold">
+                                          <p:stCondLst>
+                                            <p:cond delay="0"/>
+                                          </p:stCondLst>
+                                        </p:cTn>
+                                        <p:tgtEl>
+                                          <p:spTgt spid="3">
+                                            <p:txEl>
+                                              <p:pRg st="5" end="5"/>
+                                            </p:txEl>
+                                          </p:spTgt>
+                                        </p:tgtEl>
+                                        <p:attrNameLst>
+                                          <p:attrName>style.visibility</p:attrName>
+                                        </p:attrNameLst>
+                                      </p:cBhvr>
+                                      <p:to>
+                                        <p:strVal val="visible"/>
+                                      </p:to>
+                                    </p:set>
+                                    <p:animEffect transition="in" filter="fade">
+                                      <p:cBhvr>
+                                        <p:cTn id="29" dur="1000"/>
+                                        <p:tgtEl>
+                                          <p:spTgt spid="3">
+                                            <p:txEl>
+                                              <p:pRg st="5" end="5"/>
+                                            </p:txEl>
+                                          </p:spTgt>
+                                        </p:tgtEl>
+                                      </p:cBhvr>
+                                    </p:animEffect>
+                                    <p:anim calcmode="lin" valueType="num">
+                                      <p:cBhvr>
+                                        <p:cTn id="30" dur="1000" fill="hold"/>
+                                        <p:tgtEl>
+                                          <p:spTgt spid="3">
+                                            <p:txEl>
+                                              <p:pRg st="5" end="5"/>
+                                            </p:txEl>
+                                          </p:spTgt>
+                                        </p:tgtEl>
+                                        <p:attrNameLst>
+                                          <p:attrName>ppt_x</p:attrName>
+                                        </p:attrNameLst>
+                                      </p:cBhvr>
+                                      <p:tavLst>
+                                        <p:tav tm="0">
+                                          <p:val>
+                                            <p:strVal val="#ppt_x"/>
+                                          </p:val>
+                                        </p:tav>
+                                        <p:tav tm="100000">
+                                          <p:val>
+                                            <p:strVal val="#ppt_x"/>
+                                          </p:val>
+                                        </p:tav>
+                                      </p:tavLst>
+                                    </p:anim>
+                                    <p:anim calcmode="lin" valueType="num">
+                                      <p:cBhvr>
+                                        <p:cTn id="31" dur="1000" fill="hold"/>
+                                        <p:tgtEl>
+                                          <p:spTgt spid="3">
+                                            <p:txEl>
+                                              <p:pRg st="5" end="5"/>
+                                            </p:txEl>
+                                          </p:spTgt>
+                                        </p:tgtEl>
+                                        <p:attrNameLst>
+                                          <p:attrName>ppt_y</p:attrName>
+                                        </p:attrNameLst>
+                                      </p:cBhvr>
+                                      <p:tavLst>
+                                        <p:tav tm="0">
+                                          <p:val>
+                                            <p:strVal val="#ppt_y+.1"/>
+                                          </p:val>
+                                        </p:tav>
+                                        <p:tav tm="100000">
+                                          <p:val>
+                                            <p:strVal val="#ppt_y"/>
+                                          </p:val>
+                                        </p:tav>
+                                      </p:tavLst>
+                                    </p:anim>
+                                  </p:childTnLst>
+                                </p:cTn>
+                              </p:par>
+                              <p:par>
+                                <p:cTn id="32" presetID="42" presetClass="entr" presetSubtype="0" fill="hold" nodeType="withEffect">
+                                  <p:stCondLst>
+                                    <p:cond delay="0"/>
+                                  </p:stCondLst>
+                                  <p:childTnLst>
+                                    <p:set>
+                                      <p:cBhvr>
+                                        <p:cTn id="33" dur="1" fill="hold">
+                                          <p:stCondLst>
+                                            <p:cond delay="0"/>
+                                          </p:stCondLst>
+                                        </p:cTn>
+                                        <p:tgtEl>
+                                          <p:spTgt spid="3">
+                                            <p:txEl>
+                                              <p:pRg st="6" end="6"/>
+                                            </p:txEl>
+                                          </p:spTgt>
+                                        </p:tgtEl>
+                                        <p:attrNameLst>
+                                          <p:attrName>style.visibility</p:attrName>
+                                        </p:attrNameLst>
+                                      </p:cBhvr>
+                                      <p:to>
+                                        <p:strVal val="visible"/>
+                                      </p:to>
+                                    </p:set>
+                                    <p:animEffect transition="in" filter="fade">
+                                      <p:cBhvr>
+                                        <p:cTn id="34" dur="1000"/>
+                                        <p:tgtEl>
+                                          <p:spTgt spid="3">
+                                            <p:txEl>
+                                              <p:pRg st="6" end="6"/>
+                                            </p:txEl>
+                                          </p:spTgt>
+                                        </p:tgtEl>
+                                      </p:cBhvr>
+                                    </p:animEffect>
+                                    <p:anim calcmode="lin" valueType="num">
+                                      <p:cBhvr>
+                                        <p:cTn id="35" dur="1000" fill="hold"/>
+                                        <p:tgtEl>
+                                          <p:spTgt spid="3">
+                                            <p:txEl>
+                                              <p:pRg st="6" end="6"/>
+                                            </p:txEl>
+                                          </p:spTgt>
+                                        </p:tgtEl>
+                                        <p:attrNameLst>
+                                          <p:attrName>ppt_x</p:attrName>
+                                        </p:attrNameLst>
+                                      </p:cBhvr>
+                                      <p:tavLst>
+                                        <p:tav tm="0">
+                                          <p:val>
+                                            <p:strVal val="#ppt_x"/>
+                                          </p:val>
+                                        </p:tav>
+                                        <p:tav tm="100000">
+                                          <p:val>
+                                            <p:strVal val="#ppt_x"/>
+                                          </p:val>
+                                        </p:tav>
+                                      </p:tavLst>
+                                    </p:anim>
+                                    <p:anim calcmode="lin" valueType="num">
+                                      <p:cBhvr>
+                                        <p:cTn id="36" dur="1000" fill="hold"/>
+                                        <p:tgtEl>
+                                          <p:spTgt spid="3">
+                                            <p:txEl>
+                                              <p:pRg st="6" end="6"/>
+                                            </p:txEl>
+                                          </p:spTgt>
+                                        </p:tgtEl>
+                                        <p:attrNameLst>
+                                          <p:attrName>ppt_y</p:attrName>
+                                        </p:attrNameLst>
+                                      </p:cBhvr>
+                                      <p:tavLst>
+                                        <p:tav tm="0">
+                                          <p:val>
+                                            <p:strVal val="#ppt_y+.1"/>
+                                          </p:val>
+                                        </p:tav>
+                                        <p:tav tm="100000">
+                                          <p:val>
+                                            <p:strVal val="#ppt_y"/>
+                                          </p:val>
+                                        </p:tav>
+                                      </p:tavLst>
+                                    </p:anim>
+                                  </p:childTnLst>
+                                </p:cTn>
+                              </p:par>
+                              <p:par>
+                                <p:cTn id="37" presetID="42" presetClass="entr" presetSubtype="0" fill="hold" nodeType="withEffect">
+                                  <p:stCondLst>
+                                    <p:cond delay="0"/>
+                                  </p:stCondLst>
+                                  <p:childTnLst>
+                                    <p:set>
+                                      <p:cBhvr>
+                                        <p:cTn id="38" dur="1" fill="hold">
+                                          <p:stCondLst>
+                                            <p:cond delay="0"/>
+                                          </p:stCondLst>
+                                        </p:cTn>
+                                        <p:tgtEl>
+                                          <p:spTgt spid="3">
+                                            <p:txEl>
+                                              <p:pRg st="7" end="7"/>
+                                            </p:txEl>
+                                          </p:spTgt>
+                                        </p:tgtEl>
+                                        <p:attrNameLst>
+                                          <p:attrName>style.visibility</p:attrName>
+                                        </p:attrNameLst>
+                                      </p:cBhvr>
+                                      <p:to>
+                                        <p:strVal val="visible"/>
+                                      </p:to>
+                                    </p:set>
+                                    <p:animEffect transition="in" filter="fade">
+                                      <p:cBhvr>
+                                        <p:cTn id="39" dur="1000"/>
+                                        <p:tgtEl>
+                                          <p:spTgt spid="3">
+                                            <p:txEl>
+                                              <p:pRg st="7" end="7"/>
+                                            </p:txEl>
+                                          </p:spTgt>
+                                        </p:tgtEl>
+                                      </p:cBhvr>
+                                    </p:animEffect>
+                                    <p:anim calcmode="lin" valueType="num">
+                                      <p:cBhvr>
+                                        <p:cTn id="40" dur="1000" fill="hold"/>
+                                        <p:tgtEl>
+                                          <p:spTgt spid="3">
+                                            <p:txEl>
+                                              <p:pRg st="7" end="7"/>
+                                            </p:txEl>
+                                          </p:spTgt>
+                                        </p:tgtEl>
+                                        <p:attrNameLst>
+                                          <p:attrName>ppt_x</p:attrName>
+                                        </p:attrNameLst>
+                                      </p:cBhvr>
+                                      <p:tavLst>
+                                        <p:tav tm="0">
+                                          <p:val>
+                                            <p:strVal val="#ppt_x"/>
+                                          </p:val>
+                                        </p:tav>
+                                        <p:tav tm="100000">
+                                          <p:val>
+                                            <p:strVal val="#ppt_x"/>
+                                          </p:val>
+                                        </p:tav>
+                                      </p:tavLst>
+                                    </p:anim>
+                                    <p:anim calcmode="lin" valueType="num">
+                                      <p:cBhvr>
+                                        <p:cTn id="41" dur="1000" fill="hold"/>
+                                        <p:tgtEl>
+                                          <p:spTgt spid="3">
+                                            <p:txEl>
+                                              <p:pRg st="7" end="7"/>
+                                            </p:txEl>
+                                          </p:spTgt>
+                                        </p:tgtEl>
+                                        <p:attrNameLst>
+                                          <p:attrName>ppt_y</p:attrName>
+                                        </p:attrNameLst>
+                                      </p:cBhvr>
+                                      <p:tavLst>
+                                        <p:tav tm="0">
+                                          <p:val>
+                                            <p:strVal val="#ppt_y+.1"/>
+                                          </p:val>
+                                        </p:tav>
+                                        <p:tav tm="100000">
+                                          <p:val>
+                                            <p:strVal val="#ppt_y"/>
+                                          </p:val>
+                                        </p:tav>
+                                      </p:tavLst>
+                                    </p:anim>
+                                  </p:childTnLst>
+                                </p:cTn>
+                              </p:par>
+                              <p:par>
+                                <p:cTn id="42" presetID="42" presetClass="entr" presetSubtype="0" fill="hold" nodeType="withEffect">
+                                  <p:stCondLst>
+                                    <p:cond delay="0"/>
+                                  </p:stCondLst>
+                                  <p:childTnLst>
+                                    <p:set>
+                                      <p:cBhvr>
+                                        <p:cTn id="43" dur="1" fill="hold">
+                                          <p:stCondLst>
+                                            <p:cond delay="0"/>
+                                          </p:stCondLst>
+                                        </p:cTn>
+                                        <p:tgtEl>
+                                          <p:spTgt spid="3">
+                                            <p:txEl>
+                                              <p:pRg st="8" end="8"/>
+                                            </p:txEl>
+                                          </p:spTgt>
+                                        </p:tgtEl>
+                                        <p:attrNameLst>
+                                          <p:attrName>style.visibility</p:attrName>
+                                        </p:attrNameLst>
+                                      </p:cBhvr>
+                                      <p:to>
+                                        <p:strVal val="visible"/>
+                                      </p:to>
+                                    </p:set>
+                                    <p:animEffect transition="in" filter="fade">
+                                      <p:cBhvr>
+                                        <p:cTn id="44" dur="1000"/>
+                                        <p:tgtEl>
+                                          <p:spTgt spid="3">
+                                            <p:txEl>
+                                              <p:pRg st="8" end="8"/>
+                                            </p:txEl>
+                                          </p:spTgt>
+                                        </p:tgtEl>
+                                      </p:cBhvr>
+                                    </p:animEffect>
+                                    <p:anim calcmode="lin" valueType="num">
+                                      <p:cBhvr>
+                                        <p:cTn id="45" dur="1000" fill="hold"/>
+                                        <p:tgtEl>
+                                          <p:spTgt spid="3">
+                                            <p:txEl>
+                                              <p:pRg st="8" end="8"/>
+                                            </p:txEl>
+                                          </p:spTgt>
+                                        </p:tgtEl>
+                                        <p:attrNameLst>
+                                          <p:attrName>ppt_x</p:attrName>
+                                        </p:attrNameLst>
+                                      </p:cBhvr>
+                                      <p:tavLst>
+                                        <p:tav tm="0">
+                                          <p:val>
+                                            <p:strVal val="#ppt_x"/>
+                                          </p:val>
+                                        </p:tav>
+                                        <p:tav tm="100000">
+                                          <p:val>
+                                            <p:strVal val="#ppt_x"/>
+                                          </p:val>
+                                        </p:tav>
+                                      </p:tavLst>
+                                    </p:anim>
+                                    <p:anim calcmode="lin" valueType="num">
+                                      <p:cBhvr>
+                                        <p:cTn id="46" dur="1000" fill="hold"/>
+                                        <p:tgtEl>
+                                          <p:spTgt spid="3">
+                                            <p:txEl>
+                                              <p:pRg st="8" end="8"/>
+                                            </p:txEl>
+                                          </p:spTgt>
+                                        </p:tgtEl>
+                                        <p:attrNameLst>
+                                          <p:attrName>ppt_y</p:attrName>
+                                        </p:attrNameLst>
+                                      </p:cBhvr>
+                                      <p:tavLst>
+                                        <p:tav tm="0">
+                                          <p:val>
+                                            <p:strVal val="#ppt_y+.1"/>
+                                          </p:val>
+                                        </p:tav>
+                                        <p:tav tm="100000">
+                                          <p:val>
+                                            <p:strVal val="#ppt_y"/>
+                                          </p:val>
+                                        </p:tav>
+                                      </p:tavLst>
+                                    </p:anim>
+                                  </p:childTnLst>
+                                </p:cTn>
+                              </p:par>
+                            </p:childTnLst>
+                          </p:cTn>
+                        </p:par>
+                      </p:childTnLst>
+                    </p:cTn>
+                  </p:par>
+                </p:childTnLst>
+              </p:cTn>
+              <p:prevCondLst>
+                <p:cond evt="onPrev" delay="0">
+                  <p:tgtEl>
+                    <p:sldTgt/>
+                  </p:tgtEl>
+                </p:cond>
+              </p:prevCondLst>
+              <p:nextCondLst>
+                <p:cond evt="onNext" delay="0">
+                  <p:tgtEl>
+                    <p:sldTgt/>
+                  </p:tgtEl>
+                </p:cond>
+              </p:nextCondLst>
+            </p:seq>
+          </p:childTnLst>
+        </p:cTn>
+      </p:par>
+    </p:tnLst>
+  </p:timing>
+</p:sld>
+</file>
+
+<file path=ppt/slides/slide4.xml><?xml version="1.0" encoding="utf-8"?>
+<p:sld xmlns:a="http://schemas.openxmlformats.org/drawingml/2006/main" xmlns:r="http://schemas.openxmlformats.org/officeDocument/2006/relationships" xmlns:p="http://schemas.openxmlformats.org/presentationml/2006/main">
+  <p:cSld>
+    <p:spTree>
+      <p:nvGrpSpPr>
+        <p:cNvPr id="1" name="">
+          <a:extLst>
+            <a:ext uri="{FF2B5EF4-FFF2-40B4-BE49-F238E27FC236}">
+              <a16:creationId xmlns:a16="http://schemas.microsoft.com/office/drawing/2014/main" id="{470970D7-CE0F-976B-5862-DE5CE7C59943}"/>
+            </a:ext>
+          </a:extLst>
+        </p:cNvPr>
+        <p:cNvGrpSpPr/>
+        <p:nvPr/>
+      </p:nvGrpSpPr>
+      <p:grpSpPr>
+        <a:xfrm>
+          <a:off x="0" y="0"/>
+          <a:ext cx="0" cy="0"/>
+          <a:chOff x="0" y="0"/>
+          <a:chExt cx="0" cy="0"/>
+        </a:xfrm>
+      </p:grpSpPr>
+      <p:sp>
+        <p:nvSpPr>
+          <p:cNvPr id="2" name="Title 1">
+            <a:extLst>
+              <a:ext uri="{FF2B5EF4-FFF2-40B4-BE49-F238E27FC236}">
+                <a16:creationId xmlns:a16="http://schemas.microsoft.com/office/drawing/2014/main" id="{0459421B-B2B8-D5F9-653C-36DDF45F1916}"/>
+              </a:ext>
+            </a:extLst>
+          </p:cNvPr>
+          <p:cNvSpPr>
+            <a:spLocks noGrp="1"/>
+          </p:cNvSpPr>
+          <p:nvPr>
+            <p:ph type="title"/>
+          </p:nvPr>
+        </p:nvSpPr>
+        <p:spPr>
+          <a:xfrm>
+            <a:off x="1097280" y="286604"/>
+            <a:ext cx="10058400" cy="798126"/>
+          </a:xfrm>
+        </p:spPr>
+        <p:txBody>
+          <a:bodyPr/>
+          <a:lstStyle/>
+          <a:p>
+            <a:pPr algn="r"/>
+            <a:r>
+              <a:rPr lang="he-IL" dirty="0"/>
+              <a:t>משתנה</a:t>
+            </a:r>
+            <a:endParaRPr lang="LID4096" dirty="0"/>
+          </a:p>
+        </p:txBody>
+      </p:sp>
+      <p:sp>
+        <p:nvSpPr>
+          <p:cNvPr id="3" name="Content Placeholder 2">
+            <a:extLst>
+              <a:ext uri="{FF2B5EF4-FFF2-40B4-BE49-F238E27FC236}">
+                <a16:creationId xmlns:a16="http://schemas.microsoft.com/office/drawing/2014/main" id="{5DC1B6F3-A9C2-FCA9-1F4D-B4FE6294135D}"/>
+              </a:ext>
+            </a:extLst>
+          </p:cNvPr>
+          <p:cNvSpPr>
+            <a:spLocks noGrp="1"/>
+          </p:cNvSpPr>
+          <p:nvPr>
+            <p:ph idx="1"/>
+          </p:nvPr>
+        </p:nvSpPr>
+        <p:spPr>
+          <a:xfrm>
+            <a:off x="1097280" y="1748118"/>
+            <a:ext cx="10058400" cy="4120976"/>
+          </a:xfrm>
+        </p:spPr>
+        <p:txBody>
+          <a:bodyPr>
+            <a:normAutofit/>
+          </a:bodyPr>
+          <a:lstStyle/>
+          <a:p>
+            <a:pPr marL="0" indent="0" algn="r">
+              <a:lnSpc>
+                <a:spcPct val="100000"/>
+              </a:lnSpc>
+              <a:buNone/>
+            </a:pPr>
+            <a:r>
+              <a:rPr lang="he-IL" dirty="0"/>
+              <a:t>משתנה בתוכנה זה משהו שיכול לשמור בתוכו איזה שהו ערך.</a:t>
+            </a:r>
+          </a:p>
+          <a:p>
+            <a:pPr marL="0" indent="0" algn="r">
+              <a:lnSpc>
+                <a:spcPct val="100000"/>
+              </a:lnSpc>
+              <a:buNone/>
+            </a:pPr>
+            <a:r>
+              <a:rPr lang="he-IL" dirty="0"/>
+              <a:t>משתנה דומה למחסן שבתוכו אפשר לאחסן ערכים</a:t>
+            </a:r>
+          </a:p>
+          <a:p>
+            <a:pPr marL="0" indent="0" algn="r">
+              <a:lnSpc>
+                <a:spcPct val="100000"/>
+              </a:lnSpc>
+              <a:buNone/>
+            </a:pPr>
+            <a:r>
+              <a:rPr lang="he-IL" dirty="0"/>
+              <a:t>למשל ערך יכול לבוא מקלט או מפונקציה</a:t>
+            </a:r>
+          </a:p>
+          <a:p>
+            <a:pPr marL="0" indent="0" algn="r">
+              <a:lnSpc>
+                <a:spcPct val="100000"/>
+              </a:lnSpc>
+              <a:buNone/>
+            </a:pPr>
+            <a:r>
+              <a:rPr lang="he-IL" dirty="0"/>
+              <a:t>המשתנה מקבל שם, והערך המאוחסן בו יכול להשתנות במהלך הריצה של התוכנית.</a:t>
+            </a:r>
+          </a:p>
+          <a:p>
+            <a:pPr marL="0" indent="0" algn="r">
+              <a:lnSpc>
+                <a:spcPct val="100000"/>
+              </a:lnSpc>
+              <a:buNone/>
+            </a:pPr>
+            <a:endParaRPr lang="he-IL" dirty="0"/>
+          </a:p>
+        </p:txBody>
+      </p:sp>
+    </p:spTree>
+    <p:extLst>
+      <p:ext uri="{BB962C8B-B14F-4D97-AF65-F5344CB8AC3E}">
+        <p14:creationId xmlns:p14="http://schemas.microsoft.com/office/powerpoint/2010/main" val="1645707803"/>
+      </p:ext>
+    </p:extLst>
+  </p:cSld>
+  <p:clrMapOvr>
+    <a:masterClrMapping/>
+  </p:clrMapOvr>
+  <mc:AlternateContent xmlns:mc="http://schemas.openxmlformats.org/markup-compatibility/2006">
+    <mc:Choice xmlns:p14="http://schemas.microsoft.com/office/powerpoint/2010/main" Requires="p14">
+      <p:transition spd="med" p14:dur="700">
+        <p:fade/>
+      </p:transition>
+    </mc:Choice>
+    <mc:Fallback>
+      <p:transition spd="med">
+        <p:fade/>
+      </p:transition>
+    </mc:Fallback>
+  </mc:AlternateContent>
+</p:sld>
+</file>
+
+<file path=ppt/slides/slide5.xml><?xml version="1.0" encoding="utf-8"?>
+<p:sld xmlns:a="http://schemas.openxmlformats.org/drawingml/2006/main" xmlns:r="http://schemas.openxmlformats.org/officeDocument/2006/relationships" xmlns:p="http://schemas.openxmlformats.org/presentationml/2006/main">
+  <p:cSld>
+    <p:spTree>
+      <p:nvGrpSpPr>
+        <p:cNvPr id="1" name="">
+          <a:extLst>
+            <a:ext uri="{FF2B5EF4-FFF2-40B4-BE49-F238E27FC236}">
+              <a16:creationId xmlns:a16="http://schemas.microsoft.com/office/drawing/2014/main" id="{2CF612A6-DC44-67EF-18ED-5AA14C33E81B}"/>
+            </a:ext>
+          </a:extLst>
+        </p:cNvPr>
+        <p:cNvGrpSpPr/>
+        <p:nvPr/>
+      </p:nvGrpSpPr>
+      <p:grpSpPr>
+        <a:xfrm>
+          <a:off x="0" y="0"/>
+          <a:ext cx="0" cy="0"/>
+          <a:chOff x="0" y="0"/>
+          <a:chExt cx="0" cy="0"/>
+        </a:xfrm>
+      </p:grpSpPr>
+      <p:sp>
+        <p:nvSpPr>
+          <p:cNvPr id="2" name="Title 1">
+            <a:extLst>
+              <a:ext uri="{FF2B5EF4-FFF2-40B4-BE49-F238E27FC236}">
+                <a16:creationId xmlns:a16="http://schemas.microsoft.com/office/drawing/2014/main" id="{879EE695-865B-8547-CCB1-1784C704877C}"/>
+              </a:ext>
+            </a:extLst>
+          </p:cNvPr>
+          <p:cNvSpPr>
+            <a:spLocks noGrp="1"/>
+          </p:cNvSpPr>
+          <p:nvPr>
+            <p:ph type="title"/>
+          </p:nvPr>
+        </p:nvSpPr>
+        <p:spPr>
+          <a:xfrm>
+            <a:off x="1097280" y="286604"/>
+            <a:ext cx="10058400" cy="798126"/>
+          </a:xfrm>
+        </p:spPr>
+        <p:txBody>
+          <a:bodyPr/>
+          <a:lstStyle/>
+          <a:p>
+            <a:pPr algn="r"/>
+            <a:r>
+              <a:rPr lang="he-IL" dirty="0"/>
+              <a:t>סוגי משתנים ב </a:t>
+            </a:r>
+            <a:endParaRPr lang="LID4096" dirty="0"/>
+          </a:p>
+        </p:txBody>
+      </p:sp>
+      <p:sp>
+        <p:nvSpPr>
+          <p:cNvPr id="3" name="Content Placeholder 2">
+            <a:extLst>
+              <a:ext uri="{FF2B5EF4-FFF2-40B4-BE49-F238E27FC236}">
+                <a16:creationId xmlns:a16="http://schemas.microsoft.com/office/drawing/2014/main" id="{59AE7D4F-2C03-2201-5567-F278179772EB}"/>
+              </a:ext>
+            </a:extLst>
+          </p:cNvPr>
+          <p:cNvSpPr>
+            <a:spLocks noGrp="1"/>
+          </p:cNvSpPr>
+          <p:nvPr>
+            <p:ph idx="1"/>
+          </p:nvPr>
+        </p:nvSpPr>
+        <p:spPr>
+          <a:xfrm>
+            <a:off x="1097280" y="1748118"/>
+            <a:ext cx="10058400" cy="4120976"/>
+          </a:xfrm>
+        </p:spPr>
+        <p:txBody>
+          <a:bodyPr>
+            <a:normAutofit/>
+          </a:bodyPr>
+          <a:lstStyle/>
+          <a:p>
+            <a:pPr marL="0" indent="0" algn="r">
+              <a:lnSpc>
+                <a:spcPct val="100000"/>
+              </a:lnSpc>
+              <a:buNone/>
+            </a:pPr>
+            <a:r>
+              <a:rPr lang="he-IL" dirty="0">
+                <a:solidFill>
+                  <a:schemeClr val="tx1"/>
+                </a:solidFill>
+                <a:highlight>
+                  <a:srgbClr val="C0C0C0"/>
+                </a:highlight>
+              </a:rPr>
+              <a:t>הינה הסוגים שאני מכירה:</a:t>
+            </a:r>
+          </a:p>
+          <a:p>
+            <a:pPr marL="0" indent="0" algn="r">
+              <a:lnSpc>
+                <a:spcPct val="100000"/>
+              </a:lnSpc>
+              <a:buNone/>
+            </a:pPr>
+            <a:r>
+              <a:rPr lang="en-US" dirty="0"/>
+              <a:t>Int- </a:t>
+            </a:r>
+            <a:r>
+              <a:rPr lang="he-IL" dirty="0"/>
+              <a:t>מספר שלם(1, 4)</a:t>
+            </a:r>
+          </a:p>
+          <a:p>
+            <a:pPr marL="0" indent="0" algn="r">
+              <a:lnSpc>
+                <a:spcPct val="100000"/>
+              </a:lnSpc>
+              <a:buNone/>
+            </a:pPr>
+            <a:r>
+              <a:rPr lang="en-US" dirty="0"/>
+              <a:t>Float- </a:t>
+            </a:r>
+            <a:r>
+              <a:rPr lang="he-IL" dirty="0"/>
+              <a:t>מספר עשרוני(3.4 , לא שלם)</a:t>
+            </a:r>
+            <a:endParaRPr lang="ru-RU" dirty="0"/>
+          </a:p>
+          <a:p>
+            <a:pPr marL="0" indent="0" algn="r">
+              <a:lnSpc>
+                <a:spcPct val="100000"/>
+              </a:lnSpc>
+              <a:buNone/>
+            </a:pPr>
+            <a:r>
+              <a:rPr lang="en-US" dirty="0"/>
+              <a:t>Bool –</a:t>
+            </a:r>
+            <a:r>
+              <a:rPr lang="he-IL" dirty="0"/>
+              <a:t> מחזיר פלט של נכון או לא נכון(טרו, פולס) </a:t>
+            </a:r>
+          </a:p>
+          <a:p>
+            <a:pPr marL="0" indent="0" algn="r">
+              <a:lnSpc>
+                <a:spcPct val="100000"/>
+              </a:lnSpc>
+              <a:buNone/>
+            </a:pPr>
+            <a:r>
+              <a:rPr lang="en-US" dirty="0"/>
+              <a:t>string – </a:t>
+            </a:r>
+            <a:r>
+              <a:rPr lang="he-IL" dirty="0"/>
+              <a:t>מחרוזת תווים, משמש לאחסון טקסט</a:t>
+            </a:r>
+          </a:p>
+          <a:p>
+            <a:pPr marL="0" indent="0" algn="r">
+              <a:lnSpc>
+                <a:spcPct val="100000"/>
+              </a:lnSpc>
+              <a:buNone/>
+            </a:pPr>
+            <a:r>
+              <a:rPr lang="en-US" dirty="0"/>
+              <a:t>Char- </a:t>
+            </a:r>
+            <a:r>
+              <a:rPr lang="he-IL" dirty="0"/>
+              <a:t>תו, משמש לאחסון של תו יחיד, אות או ספרה</a:t>
+            </a:r>
+            <a:endParaRPr lang="en-US" dirty="0"/>
+          </a:p>
+          <a:p>
+            <a:pPr marL="0" indent="0" algn="r">
+              <a:lnSpc>
+                <a:spcPct val="100000"/>
+              </a:lnSpc>
+              <a:buNone/>
+            </a:pPr>
+            <a:endParaRPr lang="he-IL" dirty="0"/>
+          </a:p>
+        </p:txBody>
+      </p:sp>
+      <p:sp>
+        <p:nvSpPr>
+          <p:cNvPr id="4" name="TextBox 3">
+            <a:extLst>
+              <a:ext uri="{FF2B5EF4-FFF2-40B4-BE49-F238E27FC236}">
+                <a16:creationId xmlns:a16="http://schemas.microsoft.com/office/drawing/2014/main" id="{7E840C62-9CF3-1E50-162A-5408E02609B7}"/>
+              </a:ext>
+            </a:extLst>
+          </p:cNvPr>
+          <p:cNvSpPr txBox="1"/>
+          <p:nvPr/>
+        </p:nvSpPr>
+        <p:spPr>
+          <a:xfrm>
+            <a:off x="7330203" y="331724"/>
+            <a:ext cx="844855" cy="707886"/>
+          </a:xfrm>
+          <a:prstGeom prst="rect">
+            <a:avLst/>
+          </a:prstGeom>
+          <a:noFill/>
+        </p:spPr>
+        <p:txBody>
+          <a:bodyPr wrap="square" rtlCol="0">
+            <a:spAutoFit/>
+          </a:bodyPr>
+          <a:lstStyle/>
+          <a:p>
+            <a:r>
+              <a:rPr lang="en-US" sz="4000" dirty="0"/>
+              <a:t>C#</a:t>
+            </a:r>
+            <a:endParaRPr lang="LID4096" sz="4000" dirty="0"/>
+          </a:p>
+        </p:txBody>
+      </p:sp>
+    </p:spTree>
+    <p:extLst>
+      <p:ext uri="{BB962C8B-B14F-4D97-AF65-F5344CB8AC3E}">
+        <p14:creationId xmlns:p14="http://schemas.microsoft.com/office/powerpoint/2010/main" val="2493379652"/>
+      </p:ext>
+    </p:extLst>
+  </p:cSld>
+  <p:clrMapOvr>
+    <a:masterClrMapping/>
+  </p:clrMapOvr>
+  <mc:AlternateContent xmlns:mc="http://schemas.openxmlformats.org/markup-compatibility/2006">
+    <mc:Choice xmlns:p14="http://schemas.microsoft.com/office/powerpoint/2010/main" Requires="p14">
+      <p:transition spd="med" p14:dur="700">
+        <p:fade/>
+      </p:transition>
+    </mc:Choice>
+    <mc:Fallback>
+      <p:transition spd="med">
+        <p:fade/>
+      </p:transition>
+    </mc:Fallback>
+  </mc:AlternateContent>
+  <p:timing>
+    <p:tnLst>
+      <p:par>
+        <p:cTn id="1" dur="indefinite" restart="never" nodeType="tmRoot">
+          <p:childTnLst>
+            <p:seq concurrent="1" nextAc="seek">
+              <p:cTn id="2" dur="indefinite" nodeType="mainSeq">
+                <p:childTnLst>
+                  <p:par>
+                    <p:cTn id="3" fill="hold">
+                      <p:stCondLst>
+                        <p:cond delay="indefinite"/>
+                      </p:stCondLst>
+                      <p:childTnLst>
+                        <p:par>
+                          <p:cTn id="4" fill="hold">
+                            <p:stCondLst>
+                              <p:cond delay="0"/>
+                            </p:stCondLst>
+                            <p:childTnLst>
+                              <p:par>
+                                <p:cTn id="5" presetID="10" presetClass="entr" presetSubtype="0" fill="hold" grpId="0" nodeType="clickEffect">
+                                  <p:stCondLst>
+                                    <p:cond delay="0"/>
+                                  </p:stCondLst>
+                                  <p:childTnLst>
+                                    <p:set>
+                                      <p:cBhvr>
+                                        <p:cTn id="6" dur="1" fill="hold">
+                                          <p:stCondLst>
+                                            <p:cond delay="0"/>
+                                          </p:stCondLst>
+                                        </p:cTn>
+                                        <p:tgtEl>
+                                          <p:spTgt spid="4"/>
+                                        </p:tgtEl>
+                                        <p:attrNameLst>
+                                          <p:attrName>style.visibility</p:attrName>
+                                        </p:attrNameLst>
+                                      </p:cBhvr>
+                                      <p:to>
+                                        <p:strVal val="visible"/>
+                                      </p:to>
+                                    </p:set>
+                                    <p:animEffect transition="in" filter="fade">
+                                      <p:cBhvr>
+                                        <p:cTn id="7" dur="500"/>
+                                        <p:tgtEl>
+                                          <p:spTgt spid="4"/>
+                                        </p:tgtEl>
+                                      </p:cBhvr>
+                                    </p:animEffect>
+                                  </p:childTnLst>
+                                </p:cTn>
+                              </p:par>
+                            </p:childTnLst>
+                          </p:cTn>
+                        </p:par>
+                      </p:childTnLst>
+                    </p:cTn>
+                  </p:par>
+                  <p:par>
+                    <p:cTn id="8" fill="hold">
+                      <p:stCondLst>
+                        <p:cond delay="indefinite"/>
+                      </p:stCondLst>
+                      <p:childTnLst>
+                        <p:par>
+                          <p:cTn id="9" fill="hold">
+                            <p:stCondLst>
+                              <p:cond delay="0"/>
+                            </p:stCondLst>
+                            <p:childTnLst>
+                              <p:par>
+                                <p:cTn id="10" presetID="2" presetClass="entr" presetSubtype="4" fill="hold" grpId="0" nodeType="clickEffect">
+                                  <p:stCondLst>
+                                    <p:cond delay="0"/>
+                                  </p:stCondLst>
+                                  <p:childTnLst>
+                                    <p:set>
+                                      <p:cBhvr>
+                                        <p:cTn id="11" dur="1" fill="hold">
+                                          <p:stCondLst>
+                                            <p:cond delay="0"/>
+                                          </p:stCondLst>
+                                        </p:cTn>
+                                        <p:tgtEl>
+                                          <p:spTgt spid="3">
+                                            <p:txEl>
+                                              <p:pRg st="0" end="0"/>
+                                            </p:txEl>
+                                          </p:spTgt>
+                                        </p:tgtEl>
+                                        <p:attrNameLst>
+                                          <p:attrName>style.visibility</p:attrName>
+                                        </p:attrNameLst>
+                                      </p:cBhvr>
+                                      <p:to>
+                                        <p:strVal val="visible"/>
+                                      </p:to>
+                                    </p:set>
+                                    <p:anim calcmode="lin" valueType="num">
+                                      <p:cBhvr additive="base">
+                                        <p:cTn id="12" dur="500" fill="hold"/>
+                                        <p:tgtEl>
+                                          <p:spTgt spid="3">
+                                            <p:txEl>
+                                              <p:pRg st="0" end="0"/>
+                                            </p:txEl>
+                                          </p:spTgt>
+                                        </p:tgtEl>
+                                        <p:attrNameLst>
+                                          <p:attrName>ppt_x</p:attrName>
+                                        </p:attrNameLst>
+                                      </p:cBhvr>
+                                      <p:tavLst>
+                                        <p:tav tm="0">
+                                          <p:val>
+                                            <p:strVal val="#ppt_x"/>
+                                          </p:val>
+                                        </p:tav>
+                                        <p:tav tm="100000">
+                                          <p:val>
+                                            <p:strVal val="#ppt_x"/>
+                                          </p:val>
+                                        </p:tav>
+                                      </p:tavLst>
+                                    </p:anim>
+                                    <p:anim calcmode="lin" valueType="num">
+                                      <p:cBhvr additive="base">
+                                        <p:cTn id="13" dur="500" fill="hold"/>
+                                        <p:tgtEl>
+                                          <p:spTgt spid="3">
+                                            <p:txEl>
+                                              <p:pRg st="0" end="0"/>
+                                            </p:txEl>
+                                          </p:spTgt>
+                                        </p:tgtEl>
+                                        <p:attrNameLst>
+                                          <p:attrName>ppt_y</p:attrName>
+                                        </p:attrNameLst>
+                                      </p:cBhvr>
+                                      <p:tavLst>
+                                        <p:tav tm="0">
+                                          <p:val>
+                                            <p:strVal val="1+#ppt_h/2"/>
+                                          </p:val>
+                                        </p:tav>
+                                        <p:tav tm="100000">
+                                          <p:val>
+                                            <p:strVal val="#ppt_y"/>
+                                          </p:val>
+                                        </p:tav>
+                                      </p:tavLst>
+                                    </p:anim>
+                                  </p:childTnLst>
+                                </p:cTn>
+                              </p:par>
+                            </p:childTnLst>
+                          </p:cTn>
+                        </p:par>
+                      </p:childTnLst>
+                    </p:cTn>
+                  </p:par>
+                  <p:par>
+                    <p:cTn id="14" fill="hold">
+                      <p:stCondLst>
+                        <p:cond delay="indefinite"/>
+                      </p:stCondLst>
+                      <p:childTnLst>
+                        <p:par>
+                          <p:cTn id="15" fill="hold">
+                            <p:stCondLst>
+                              <p:cond delay="0"/>
+                            </p:stCondLst>
+                            <p:childTnLst>
+                              <p:par>
+                                <p:cTn id="16" presetID="2" presetClass="entr" presetSubtype="4" fill="hold" grpId="0" nodeType="clickEffect">
+                                  <p:stCondLst>
+                                    <p:cond delay="0"/>
+                                  </p:stCondLst>
+                                  <p:childTnLst>
+                                    <p:set>
+                                      <p:cBhvr>
+                                        <p:cTn id="17" dur="1" fill="hold">
+                                          <p:stCondLst>
+                                            <p:cond delay="0"/>
+                                          </p:stCondLst>
+                                        </p:cTn>
+                                        <p:tgtEl>
+                                          <p:spTgt spid="3">
+                                            <p:txEl>
+                                              <p:pRg st="1" end="1"/>
+                                            </p:txEl>
+                                          </p:spTgt>
+                                        </p:tgtEl>
+                                        <p:attrNameLst>
+                                          <p:attrName>style.visibility</p:attrName>
+                                        </p:attrNameLst>
+                                      </p:cBhvr>
+                                      <p:to>
+                                        <p:strVal val="visible"/>
+                                      </p:to>
+                                    </p:set>
+                                    <p:anim calcmode="lin" valueType="num">
+                                      <p:cBhvr additive="base">
+                                        <p:cTn id="18" dur="500" fill="hold"/>
+                                        <p:tgtEl>
+                                          <p:spTgt spid="3">
+                                            <p:txEl>
+                                              <p:pRg st="1" end="1"/>
+                                            </p:txEl>
+                                          </p:spTgt>
+                                        </p:tgtEl>
+                                        <p:attrNameLst>
+                                          <p:attrName>ppt_x</p:attrName>
+                                        </p:attrNameLst>
+                                      </p:cBhvr>
+                                      <p:tavLst>
+                                        <p:tav tm="0">
+                                          <p:val>
+                                            <p:strVal val="#ppt_x"/>
+                                          </p:val>
+                                        </p:tav>
+                                        <p:tav tm="100000">
+                                          <p:val>
+                                            <p:strVal val="#ppt_x"/>
+                                          </p:val>
+                                        </p:tav>
+                                      </p:tavLst>
+                                    </p:anim>
+                                    <p:anim calcmode="lin" valueType="num">
+                                      <p:cBhvr additive="base">
+                                        <p:cTn id="19" dur="500" fill="hold"/>
+                                        <p:tgtEl>
+                                          <p:spTgt spid="3">
+                                            <p:txEl>
+                                              <p:pRg st="1" end="1"/>
+                                            </p:txEl>
+                                          </p:spTgt>
+                                        </p:tgtEl>
+                                        <p:attrNameLst>
+                                          <p:attrName>ppt_y</p:attrName>
+                                        </p:attrNameLst>
+                                      </p:cBhvr>
+                                      <p:tavLst>
+                                        <p:tav tm="0">
+                                          <p:val>
+                                            <p:strVal val="1+#ppt_h/2"/>
+                                          </p:val>
+                                        </p:tav>
+                                        <p:tav tm="100000">
+                                          <p:val>
+                                            <p:strVal val="#ppt_y"/>
+                                          </p:val>
+                                        </p:tav>
+                                      </p:tavLst>
+                                    </p:anim>
+                                  </p:childTnLst>
+                                </p:cTn>
+                              </p:par>
+                            </p:childTnLst>
+                          </p:cTn>
+                        </p:par>
+                      </p:childTnLst>
+                    </p:cTn>
+                  </p:par>
+                  <p:par>
+                    <p:cTn id="20" fill="hold">
+                      <p:stCondLst>
+                        <p:cond delay="indefinite"/>
+                      </p:stCondLst>
+                      <p:childTnLst>
+                        <p:par>
+                          <p:cTn id="21" fill="hold">
+                            <p:stCondLst>
+                              <p:cond delay="0"/>
+                            </p:stCondLst>
+                            <p:childTnLst>
+                              <p:par>
+                                <p:cTn id="22" presetID="2" presetClass="entr" presetSubtype="4" fill="hold" grpId="0" nodeType="clickEffect">
+                                  <p:stCondLst>
+                                    <p:cond delay="0"/>
+                                  </p:stCondLst>
+                                  <p:childTnLst>
+                                    <p:set>
+                                      <p:cBhvr>
+                                        <p:cTn id="23" dur="1" fill="hold">
+                                          <p:stCondLst>
+                                            <p:cond delay="0"/>
+                                          </p:stCondLst>
+                                        </p:cTn>
+                                        <p:tgtEl>
+                                          <p:spTgt spid="3">
+                                            <p:txEl>
+                                              <p:pRg st="2" end="2"/>
+                                            </p:txEl>
+                                          </p:spTgt>
+                                        </p:tgtEl>
+                                        <p:attrNameLst>
+                                          <p:attrName>style.visibility</p:attrName>
+                                        </p:attrNameLst>
+                                      </p:cBhvr>
+                                      <p:to>
+                                        <p:strVal val="visible"/>
+                                      </p:to>
+                                    </p:set>
+                                    <p:anim calcmode="lin" valueType="num">
+                                      <p:cBhvr additive="base">
+                                        <p:cTn id="24" dur="500" fill="hold"/>
+                                        <p:tgtEl>
+                                          <p:spTgt spid="3">
+                                            <p:txEl>
+                                              <p:pRg st="2" end="2"/>
+                                            </p:txEl>
+                                          </p:spTgt>
+                                        </p:tgtEl>
+                                        <p:attrNameLst>
+                                          <p:attrName>ppt_x</p:attrName>
+                                        </p:attrNameLst>
+                                      </p:cBhvr>
+                                      <p:tavLst>
+                                        <p:tav tm="0">
+                                          <p:val>
+                                            <p:strVal val="#ppt_x"/>
+                                          </p:val>
+                                        </p:tav>
+                                        <p:tav tm="100000">
+                                          <p:val>
+                                            <p:strVal val="#ppt_x"/>
+                                          </p:val>
+                                        </p:tav>
+                                      </p:tavLst>
+                                    </p:anim>
+                                    <p:anim calcmode="lin" valueType="num">
+                                      <p:cBhvr additive="base">
+                                        <p:cTn id="25" dur="500" fill="hold"/>
+                                        <p:tgtEl>
+                                          <p:spTgt spid="3">
+                                            <p:txEl>
+                                              <p:pRg st="2" end="2"/>
+                                            </p:txEl>
+                                          </p:spTgt>
+                                        </p:tgtEl>
+                                        <p:attrNameLst>
+                                          <p:attrName>ppt_y</p:attrName>
+                                        </p:attrNameLst>
+                                      </p:cBhvr>
+                                      <p:tavLst>
+                                        <p:tav tm="0">
+                                          <p:val>
+                                            <p:strVal val="1+#ppt_h/2"/>
+                                          </p:val>
+                                        </p:tav>
+                                        <p:tav tm="100000">
+                                          <p:val>
+                                            <p:strVal val="#ppt_y"/>
+                                          </p:val>
+                                        </p:tav>
+                                      </p:tavLst>
+                                    </p:anim>
+                                  </p:childTnLst>
+                                </p:cTn>
+                              </p:par>
+                            </p:childTnLst>
+                          </p:cTn>
+                        </p:par>
+                      </p:childTnLst>
+                    </p:cTn>
+                  </p:par>
+                  <p:par>
+                    <p:cTn id="26" fill="hold">
+                      <p:stCondLst>
+                        <p:cond delay="indefinite"/>
+                      </p:stCondLst>
+                      <p:childTnLst>
+                        <p:par>
+                          <p:cTn id="27" fill="hold">
+                            <p:stCondLst>
+                              <p:cond delay="0"/>
+                            </p:stCondLst>
+                            <p:childTnLst>
+                              <p:par>
+                                <p:cTn id="28" presetID="2" presetClass="entr" presetSubtype="4" fill="hold" grpId="0" nodeType="clickEffect">
+                                  <p:stCondLst>
+                                    <p:cond delay="0"/>
+                                  </p:stCondLst>
+                                  <p:childTnLst>
+                                    <p:set>
+                                      <p:cBhvr>
+                                        <p:cTn id="29" dur="1" fill="hold">
+                                          <p:stCondLst>
+                                            <p:cond delay="0"/>
+                                          </p:stCondLst>
+                                        </p:cTn>
+                                        <p:tgtEl>
+                                          <p:spTgt spid="3">
+                                            <p:txEl>
+                                              <p:pRg st="3" end="3"/>
+                                            </p:txEl>
+                                          </p:spTgt>
+                                        </p:tgtEl>
+                                        <p:attrNameLst>
+                                          <p:attrName>style.visibility</p:attrName>
+                                        </p:attrNameLst>
+                                      </p:cBhvr>
+                                      <p:to>
+                                        <p:strVal val="visible"/>
+                                      </p:to>
+                                    </p:set>
+                                    <p:anim calcmode="lin" valueType="num">
+                                      <p:cBhvr additive="base">
+                                        <p:cTn id="30" dur="500" fill="hold"/>
+                                        <p:tgtEl>
+                                          <p:spTgt spid="3">
+                                            <p:txEl>
+                                              <p:pRg st="3" end="3"/>
+                                            </p:txEl>
+                                          </p:spTgt>
+                                        </p:tgtEl>
+                                        <p:attrNameLst>
+                                          <p:attrName>ppt_x</p:attrName>
+                                        </p:attrNameLst>
+                                      </p:cBhvr>
+                                      <p:tavLst>
+                                        <p:tav tm="0">
+                                          <p:val>
+                                            <p:strVal val="#ppt_x"/>
+                                          </p:val>
+                                        </p:tav>
+                                        <p:tav tm="100000">
+                                          <p:val>
+                                            <p:strVal val="#ppt_x"/>
+                                          </p:val>
+                                        </p:tav>
+                                      </p:tavLst>
+                                    </p:anim>
+                                    <p:anim calcmode="lin" valueType="num">
+                                      <p:cBhvr additive="base">
+                                        <p:cTn id="31" dur="500" fill="hold"/>
+                                        <p:tgtEl>
+                                          <p:spTgt spid="3">
+                                            <p:txEl>
+                                              <p:pRg st="3" end="3"/>
+                                            </p:txEl>
+                                          </p:spTgt>
+                                        </p:tgtEl>
+                                        <p:attrNameLst>
+                                          <p:attrName>ppt_y</p:attrName>
+                                        </p:attrNameLst>
+                                      </p:cBhvr>
+                                      <p:tavLst>
+                                        <p:tav tm="0">
+                                          <p:val>
+                                            <p:strVal val="1+#ppt_h/2"/>
+                                          </p:val>
+                                        </p:tav>
+                                        <p:tav tm="100000">
+                                          <p:val>
+                                            <p:strVal val="#ppt_y"/>
+                                          </p:val>
+                                        </p:tav>
+                                      </p:tavLst>
+                                    </p:anim>
+                                  </p:childTnLst>
+                                </p:cTn>
+                              </p:par>
+                            </p:childTnLst>
+                          </p:cTn>
+                        </p:par>
+                      </p:childTnLst>
+                    </p:cTn>
+                  </p:par>
+                  <p:par>
+                    <p:cTn id="32" fill="hold">
+                      <p:stCondLst>
+                        <p:cond delay="indefinite"/>
+                      </p:stCondLst>
+                      <p:childTnLst>
+                        <p:par>
+                          <p:cTn id="33" fill="hold">
+                            <p:stCondLst>
+                              <p:cond delay="0"/>
+                            </p:stCondLst>
+                            <p:childTnLst>
+                              <p:par>
+                                <p:cTn id="34" presetID="2" presetClass="entr" presetSubtype="4" fill="hold" grpId="0" nodeType="clickEffect">
+                                  <p:stCondLst>
+                                    <p:cond delay="0"/>
+                                  </p:stCondLst>
+                                  <p:childTnLst>
+                                    <p:set>
+                                      <p:cBhvr>
+                                        <p:cTn id="35" dur="1" fill="hold">
+                                          <p:stCondLst>
+                                            <p:cond delay="0"/>
+                                          </p:stCondLst>
+                                        </p:cTn>
+                                        <p:tgtEl>
+                                          <p:spTgt spid="3">
+                                            <p:txEl>
+                                              <p:pRg st="4" end="4"/>
+                                            </p:txEl>
+                                          </p:spTgt>
+                                        </p:tgtEl>
+                                        <p:attrNameLst>
+                                          <p:attrName>style.visibility</p:attrName>
+                                        </p:attrNameLst>
+                                      </p:cBhvr>
+                                      <p:to>
+                                        <p:strVal val="visible"/>
+                                      </p:to>
+                                    </p:set>
+                                    <p:anim calcmode="lin" valueType="num">
+                                      <p:cBhvr additive="base">
+                                        <p:cTn id="36" dur="500" fill="hold"/>
+                                        <p:tgtEl>
+                                          <p:spTgt spid="3">
+                                            <p:txEl>
+                                              <p:pRg st="4" end="4"/>
+                                            </p:txEl>
+                                          </p:spTgt>
+                                        </p:tgtEl>
+                                        <p:attrNameLst>
+                                          <p:attrName>ppt_x</p:attrName>
+                                        </p:attrNameLst>
+                                      </p:cBhvr>
+                                      <p:tavLst>
+                                        <p:tav tm="0">
+                                          <p:val>
+                                            <p:strVal val="#ppt_x"/>
+                                          </p:val>
+                                        </p:tav>
+                                        <p:tav tm="100000">
+                                          <p:val>
+                                            <p:strVal val="#ppt_x"/>
+                                          </p:val>
+                                        </p:tav>
+                                      </p:tavLst>
+                                    </p:anim>
+                                    <p:anim calcmode="lin" valueType="num">
+                                      <p:cBhvr additive="base">
+                                        <p:cTn id="37" dur="500" fill="hold"/>
+                                        <p:tgtEl>
+                                          <p:spTgt spid="3">
+                                            <p:txEl>
+                                              <p:pRg st="4" end="4"/>
+                                            </p:txEl>
+                                          </p:spTgt>
+                                        </p:tgtEl>
+                                        <p:attrNameLst>
+                                          <p:attrName>ppt_y</p:attrName>
+                                        </p:attrNameLst>
+                                      </p:cBhvr>
+                                      <p:tavLst>
+                                        <p:tav tm="0">
+                                          <p:val>
+                                            <p:strVal val="1+#ppt_h/2"/>
+                                          </p:val>
+                                        </p:tav>
+                                        <p:tav tm="100000">
+                                          <p:val>
+                                            <p:strVal val="#ppt_y"/>
+                                          </p:val>
+                                        </p:tav>
+                                      </p:tavLst>
+                                    </p:anim>
+                                  </p:childTnLst>
+                                </p:cTn>
+                              </p:par>
+                            </p:childTnLst>
+                          </p:cTn>
+                        </p:par>
+                      </p:childTnLst>
+                    </p:cTn>
+                  </p:par>
+                  <p:par>
+                    <p:cTn id="38" fill="hold">
+                      <p:stCondLst>
+                        <p:cond delay="indefinite"/>
+                      </p:stCondLst>
+                      <p:childTnLst>
+                        <p:par>
+                          <p:cTn id="39" fill="hold">
+                            <p:stCondLst>
+                              <p:cond delay="0"/>
+                            </p:stCondLst>
+                            <p:childTnLst>
+                              <p:par>
+                                <p:cTn id="40" presetID="2" presetClass="entr" presetSubtype="4" fill="hold" grpId="0" nodeType="clickEffect">
+                                  <p:stCondLst>
+                                    <p:cond delay="0"/>
+                                  </p:stCondLst>
+                                  <p:childTnLst>
+                                    <p:set>
+                                      <p:cBhvr>
+                                        <p:cTn id="41" dur="1" fill="hold">
+                                          <p:stCondLst>
+                                            <p:cond delay="0"/>
+                                          </p:stCondLst>
+                                        </p:cTn>
+                                        <p:tgtEl>
+                                          <p:spTgt spid="3">
+                                            <p:txEl>
+                                              <p:pRg st="5" end="5"/>
+                                            </p:txEl>
+                                          </p:spTgt>
+                                        </p:tgtEl>
+                                        <p:attrNameLst>
+                                          <p:attrName>style.visibility</p:attrName>
+                                        </p:attrNameLst>
+                                      </p:cBhvr>
+                                      <p:to>
+                                        <p:strVal val="visible"/>
+                                      </p:to>
+                                    </p:set>
+                                    <p:anim calcmode="lin" valueType="num">
+                                      <p:cBhvr additive="base">
+                                        <p:cTn id="42" dur="500" fill="hold"/>
+                                        <p:tgtEl>
+                                          <p:spTgt spid="3">
+                                            <p:txEl>
+                                              <p:pRg st="5" end="5"/>
+                                            </p:txEl>
+                                          </p:spTgt>
+                                        </p:tgtEl>
+                                        <p:attrNameLst>
+                                          <p:attrName>ppt_x</p:attrName>
+                                        </p:attrNameLst>
+                                      </p:cBhvr>
+                                      <p:tavLst>
+                                        <p:tav tm="0">
+                                          <p:val>
+                                            <p:strVal val="#ppt_x"/>
+                                          </p:val>
+                                        </p:tav>
+                                        <p:tav tm="100000">
+                                          <p:val>
+                                            <p:strVal val="#ppt_x"/>
+                                          </p:val>
+                                        </p:tav>
+                                      </p:tavLst>
+                                    </p:anim>
+                                    <p:anim calcmode="lin" valueType="num">
+                                      <p:cBhvr additive="base">
+                                        <p:cTn id="43" dur="500" fill="hold"/>
+                                        <p:tgtEl>
+                                          <p:spTgt spid="3">
+                                            <p:txEl>
+                                              <p:pRg st="5" end="5"/>
+                                            </p:txEl>
+                                          </p:spTgt>
+                                        </p:tgtEl>
+                                        <p:attrNameLst>
+                                          <p:attrName>ppt_y</p:attrName>
+                                        </p:attrNameLst>
+                                      </p:cBhvr>
+                                      <p:tavLst>
+                                        <p:tav tm="0">
+                                          <p:val>
+                                            <p:strVal val="1+#ppt_h/2"/>
+                                          </p:val>
+                                        </p:tav>
+                                        <p:tav tm="100000">
+                                          <p:val>
+                                            <p:strVal val="#ppt_y"/>
+                                          </p:val>
+                                        </p:tav>
+                                      </p:tavLst>
+                                    </p:anim>
+                                  </p:childTnLst>
+                                </p:cTn>
+                              </p:par>
+                            </p:childTnLst>
+                          </p:cTn>
+                        </p:par>
+                      </p:childTnLst>
+                    </p:cTn>
+                  </p:par>
+                </p:childTnLst>
+              </p:cTn>
+              <p:prevCondLst>
+                <p:cond evt="onPrev" delay="0">
+                  <p:tgtEl>
+                    <p:sldTgt/>
+                  </p:tgtEl>
+                </p:cond>
+              </p:prevCondLst>
+              <p:nextCondLst>
+                <p:cond evt="onNext" delay="0">
+                  <p:tgtEl>
+                    <p:sldTgt/>
+                  </p:tgtEl>
+                </p:cond>
+              </p:nextCondLst>
+            </p:seq>
+          </p:childTnLst>
+        </p:cTn>
+      </p:par>
+    </p:tnLst>
+    <p:bldLst>
+      <p:bldP spid="3" grpId="0" build="p"/>
+      <p:bldP spid="4" grpId="0"/>
+    </p:bldLst>
+  </p:timing>
 </p:sld>
 </file>
 
